--- a/Presentation/Data cleaning and inspection.pptx
+++ b/Presentation/Data cleaning and inspection.pptx
@@ -305,7 +305,7 @@
             <a:fld id="{DD95B663-A359-4E54-8989-6E815F050B49}" type="datetimeFigureOut">
               <a:rPr lang="de-DE" smtClean="0"/>
               <a:pPr/>
-              <a:t>18.12.16</a:t>
+              <a:t>22.12.16</a:t>
             </a:fld>
             <a:endParaRPr lang="de-DE" dirty="0"/>
           </a:p>
@@ -472,7 +472,7 @@
             <a:fld id="{6DC243D8-2C9D-447E-8AC2-008C661E1A6F}" type="datetimeFigureOut">
               <a:rPr lang="de-DE" smtClean="0"/>
               <a:pPr/>
-              <a:t>18.12.16</a:t>
+              <a:t>22.12.16</a:t>
             </a:fld>
             <a:endParaRPr lang="de-DE" dirty="0"/>
           </a:p>
@@ -1078,7 +1078,7 @@
           <a:noFill/>
           <a:extLst>
             <a:ext uri="{909E8E84-426E-40dd-AFC4-6F175D3DCCD1}">
-              <a14:hiddenFill xmlns="" xmlns:a14="http://schemas.microsoft.com/office/drawing/2010/main">
+              <a14:hiddenFill xmlns:a14="http://schemas.microsoft.com/office/drawing/2010/main" xmlns="">
                 <a:solidFill>
                   <a:srgbClr val="FFFFFF"/>
                 </a:solidFill>
@@ -1119,7 +1119,7 @@
           <a:noFill/>
           <a:extLst>
             <a:ext uri="{909E8E84-426E-40dd-AFC4-6F175D3DCCD1}">
-              <a14:hiddenFill xmlns="" xmlns:a14="http://schemas.microsoft.com/office/drawing/2010/main">
+              <a14:hiddenFill xmlns:a14="http://schemas.microsoft.com/office/drawing/2010/main" xmlns="">
                 <a:solidFill>
                   <a:srgbClr val="FFFFFF"/>
                 </a:solidFill>
@@ -2124,14 +2124,14 @@
           </a:ln>
           <a:extLst>
             <a:ext uri="{909E8E84-426E-40dd-AFC4-6F175D3DCCD1}">
-              <a14:hiddenFill xmlns="" xmlns:a14="http://schemas.microsoft.com/office/drawing/2010/main">
+              <a14:hiddenFill xmlns:a14="http://schemas.microsoft.com/office/drawing/2010/main" xmlns="">
                 <a:solidFill>
                   <a:schemeClr val="accent1"/>
                 </a:solidFill>
               </a14:hiddenFill>
             </a:ext>
             <a:ext uri="{91240B29-F687-4f45-9708-019B960494DF}">
-              <a14:hiddenLine xmlns="" xmlns:a14="http://schemas.microsoft.com/office/drawing/2010/main" w="9525">
+              <a14:hiddenLine xmlns:a14="http://schemas.microsoft.com/office/drawing/2010/main" xmlns="" w="9525">
                 <a:solidFill>
                   <a:schemeClr val="tx1"/>
                 </a:solidFill>
@@ -4483,7 +4483,7 @@
           <a:graphicData uri="http://schemas.openxmlformats.org/presentationml/2006/ole">
             <mc:AlternateContent xmlns:mc="http://schemas.openxmlformats.org/markup-compatibility/2006">
               <mc:Choice xmlns:v="urn:schemas-microsoft-com:vml" Requires="v">
-                <p:oleObj spid="_x0000_s1089" name="think-cell Folie" r:id="rId17" imgW="344" imgH="341" progId="TCLayout.ActiveDocument.1">
+                <p:oleObj spid="_x0000_s1092" name="think-cell Folie" r:id="rId17" imgW="344" imgH="341" progId="TCLayout.ActiveDocument.1">
                   <p:embed/>
                 </p:oleObj>
               </mc:Choice>
@@ -4727,7 +4727,7 @@
           <a:noFill/>
           <a:extLst>
             <a:ext uri="{909E8E84-426E-40dd-AFC4-6F175D3DCCD1}">
-              <a14:hiddenFill xmlns="" xmlns:a14="http://schemas.microsoft.com/office/drawing/2010/main">
+              <a14:hiddenFill xmlns:a14="http://schemas.microsoft.com/office/drawing/2010/main" xmlns="">
                 <a:solidFill>
                   <a:srgbClr val="FFFFFF"/>
                 </a:solidFill>
@@ -16962,6 +16962,35 @@
           <a:chExt cx="0" cy="0"/>
         </a:xfrm>
       </p:grpSpPr>
+      <p:pic>
+        <p:nvPicPr>
+          <p:cNvPr id="4" name="Content Placeholder 3"/>
+          <p:cNvPicPr>
+            <a:picLocks noGrp="1" noChangeAspect="1"/>
+          </p:cNvPicPr>
+          <p:nvPr>
+            <p:ph sz="quarter" idx="17"/>
+          </p:nvPr>
+        </p:nvPicPr>
+        <p:blipFill>
+          <a:blip r:embed="rId2">
+            <a:extLst>
+              <a:ext uri="{28A0092B-C50C-407E-A947-70E740481C1C}">
+                <a14:useLocalDpi xmlns:a14="http://schemas.microsoft.com/office/drawing/2010/main" val="0"/>
+              </a:ext>
+            </a:extLst>
+          </a:blip>
+          <a:stretch>
+            <a:fillRect/>
+          </a:stretch>
+        </p:blipFill>
+        <p:spPr>
+          <a:xfrm>
+            <a:off x="648000" y="1764000"/>
+            <a:ext cx="4320000" cy="4320000"/>
+          </a:xfrm>
+        </p:spPr>
+      </p:pic>
       <p:sp>
         <p:nvSpPr>
           <p:cNvPr id="3" name="Text Placeholder 2"/>
@@ -17057,34 +17086,6 @@
           </p:txBody>
         </p:sp>
       </p:grpSp>
-      <p:pic>
-        <p:nvPicPr>
-          <p:cNvPr id="15" name="Content Placeholder 14"/>
-          <p:cNvPicPr>
-            <a:picLocks noGrp="1" noChangeAspect="1"/>
-          </p:cNvPicPr>
-          <p:nvPr>
-            <p:ph sz="quarter" idx="17"/>
-          </p:nvPr>
-        </p:nvPicPr>
-        <p:blipFill rotWithShape="1">
-          <a:blip r:embed="rId2">
-            <a:extLst>
-              <a:ext uri="{28A0092B-C50C-407E-A947-70E740481C1C}">
-                <a14:useLocalDpi xmlns:a14="http://schemas.microsoft.com/office/drawing/2010/main" val="0"/>
-              </a:ext>
-            </a:extLst>
-          </a:blip>
-          <a:srcRect b="7378"/>
-          <a:stretch/>
-        </p:blipFill>
-        <p:spPr>
-          <a:xfrm>
-            <a:off x="395536" y="1753071"/>
-            <a:ext cx="4491568" cy="4160205"/>
-          </a:xfrm>
-        </p:spPr>
-      </p:pic>
       <p:sp>
         <p:nvSpPr>
           <p:cNvPr id="14" name="Title 3"/>
@@ -27374,7 +27375,11 @@
           <a:p>
             <a:r>
               <a:rPr lang="en-US" dirty="0" smtClean="0"/>
-              <a:t>Elbow criterion applied to variances of unique values more insightful</a:t>
+              <a:t>Elbow criterion applied to variances of unique values more </a:t>
+            </a:r>
+            <a:r>
+              <a:rPr lang="en-US" dirty="0" smtClean="0"/>
+              <a:t>insightful?</a:t>
             </a:r>
             <a:endParaRPr lang="en-US" dirty="0"/>
           </a:p>

--- a/Presentation/Data cleaning and inspection.pptx
+++ b/Presentation/Data cleaning and inspection.pptx
@@ -6896,7 +6896,7 @@
           <a:graphicData uri="http://schemas.openxmlformats.org/presentationml/2006/ole">
             <mc:AlternateContent xmlns:mc="http://schemas.openxmlformats.org/markup-compatibility/2006">
               <mc:Choice xmlns:v="urn:schemas-microsoft-com:vml" Requires="v">
-                <p:oleObj spid="_x0000_s1119" name="think-cell Folie" r:id="rId18" imgW="344" imgH="341" progId="TCLayout.ActiveDocument.1">
+                <p:oleObj spid="_x0000_s1120" name="think-cell Folie" r:id="rId18" imgW="344" imgH="341" progId="TCLayout.ActiveDocument.1">
                   <p:embed/>
                 </p:oleObj>
               </mc:Choice>

--- a/Presentation/Data cleaning and inspection.pptx
+++ b/Presentation/Data cleaning and inspection.pptx
@@ -5,10 +5,10 @@
     <p:sldMasterId id="2147483648" r:id="rId1"/>
   </p:sldMasterIdLst>
   <p:notesMasterIdLst>
-    <p:notesMasterId r:id="rId30"/>
+    <p:notesMasterId r:id="rId31"/>
   </p:notesMasterIdLst>
   <p:handoutMasterIdLst>
-    <p:handoutMasterId r:id="rId31"/>
+    <p:handoutMasterId r:id="rId32"/>
   </p:handoutMasterIdLst>
   <p:sldIdLst>
     <p:sldId id="285" r:id="rId2"/>
@@ -33,17 +33,18 @@
     <p:sldId id="537" r:id="rId21"/>
     <p:sldId id="532" r:id="rId22"/>
     <p:sldId id="533" r:id="rId23"/>
-    <p:sldId id="541" r:id="rId24"/>
-    <p:sldId id="538" r:id="rId25"/>
-    <p:sldId id="480" r:id="rId26"/>
-    <p:sldId id="490" r:id="rId27"/>
-    <p:sldId id="523" r:id="rId28"/>
-    <p:sldId id="524" r:id="rId29"/>
+    <p:sldId id="549" r:id="rId24"/>
+    <p:sldId id="541" r:id="rId25"/>
+    <p:sldId id="538" r:id="rId26"/>
+    <p:sldId id="480" r:id="rId27"/>
+    <p:sldId id="490" r:id="rId28"/>
+    <p:sldId id="523" r:id="rId29"/>
+    <p:sldId id="524" r:id="rId30"/>
   </p:sldIdLst>
   <p:sldSz cx="9144000" cy="6858000" type="screen4x3"/>
   <p:notesSz cx="6858000" cy="9144000"/>
   <p:custDataLst>
-    <p:tags r:id="rId32"/>
+    <p:tags r:id="rId33"/>
   </p:custDataLst>
   <p:defaultTextStyle>
     <a:defPPr>
@@ -350,9 +351,7 @@
               <c:showPercent val="0"/>
               <c:showBubbleSize val="0"/>
               <c:extLst>
-                <c:ext xmlns:c15="http://schemas.microsoft.com/office/drawing/2012/chart" uri="{CE6537A1-D6FC-4f65-9D91-7224C49458BB}">
-                  <c15:layout/>
-                </c:ext>
+                <c:ext xmlns:c15="http://schemas.microsoft.com/office/drawing/2012/chart" uri="{CE6537A1-D6FC-4f65-9D91-7224C49458BB}"/>
               </c:extLst>
             </c:dLbl>
             <c:dLbl>
@@ -405,9 +404,7 @@
               <c:showPercent val="0"/>
               <c:showBubbleSize val="0"/>
               <c:extLst>
-                <c:ext xmlns:c15="http://schemas.microsoft.com/office/drawing/2012/chart" uri="{CE6537A1-D6FC-4f65-9D91-7224C49458BB}">
-                  <c15:layout/>
-                </c:ext>
+                <c:ext xmlns:c15="http://schemas.microsoft.com/office/drawing/2012/chart" uri="{CE6537A1-D6FC-4f65-9D91-7224C49458BB}"/>
               </c:extLst>
             </c:dLbl>
             <c:dLbl>
@@ -421,9 +418,7 @@
               <c:idx val="8"/>
               <c:delete val="1"/>
               <c:extLst>
-                <c:ext xmlns:c15="http://schemas.microsoft.com/office/drawing/2012/chart" uri="{CE6537A1-D6FC-4f65-9D91-7224C49458BB}">
-                  <c15:layout/>
-                </c:ext>
+                <c:ext xmlns:c15="http://schemas.microsoft.com/office/drawing/2012/chart" uri="{CE6537A1-D6FC-4f65-9D91-7224C49458BB}"/>
               </c:extLst>
             </c:dLbl>
             <c:spPr>
@@ -461,7 +456,6 @@
             <c:showLeaderLines val="0"/>
             <c:extLst>
               <c:ext xmlns:c15="http://schemas.microsoft.com/office/drawing/2012/chart" uri="{CE6537A1-D6FC-4f65-9D91-7224C49458BB}">
-                <c15:layout/>
                 <c15:showLeaderLines val="1"/>
                 <c15:leaderLines>
                   <c:spPr>
@@ -599,9 +593,7 @@
               <c:showPercent val="0"/>
               <c:showBubbleSize val="0"/>
               <c:extLst>
-                <c:ext xmlns:c15="http://schemas.microsoft.com/office/drawing/2012/chart" uri="{CE6537A1-D6FC-4f65-9D91-7224C49458BB}">
-                  <c15:layout/>
-                </c:ext>
+                <c:ext xmlns:c15="http://schemas.microsoft.com/office/drawing/2012/chart" uri="{CE6537A1-D6FC-4f65-9D91-7224C49458BB}"/>
               </c:extLst>
             </c:dLbl>
             <c:dLbl>
@@ -619,9 +611,7 @@
               <c:showPercent val="0"/>
               <c:showBubbleSize val="0"/>
               <c:extLst>
-                <c:ext xmlns:c15="http://schemas.microsoft.com/office/drawing/2012/chart" uri="{CE6537A1-D6FC-4f65-9D91-7224C49458BB}">
-                  <c15:layout/>
-                </c:ext>
+                <c:ext xmlns:c15="http://schemas.microsoft.com/office/drawing/2012/chart" uri="{CE6537A1-D6FC-4f65-9D91-7224C49458BB}"/>
               </c:extLst>
             </c:dLbl>
             <c:dLbl>
@@ -639,9 +629,7 @@
               <c:showPercent val="0"/>
               <c:showBubbleSize val="0"/>
               <c:extLst>
-                <c:ext xmlns:c15="http://schemas.microsoft.com/office/drawing/2012/chart" uri="{CE6537A1-D6FC-4f65-9D91-7224C49458BB}">
-                  <c15:layout/>
-                </c:ext>
+                <c:ext xmlns:c15="http://schemas.microsoft.com/office/drawing/2012/chart" uri="{CE6537A1-D6FC-4f65-9D91-7224C49458BB}"/>
               </c:extLst>
             </c:dLbl>
             <c:dLbl>
@@ -659,9 +647,7 @@
               <c:showPercent val="0"/>
               <c:showBubbleSize val="0"/>
               <c:extLst>
-                <c:ext xmlns:c15="http://schemas.microsoft.com/office/drawing/2012/chart" uri="{CE6537A1-D6FC-4f65-9D91-7224C49458BB}">
-                  <c15:layout/>
-                </c:ext>
+                <c:ext xmlns:c15="http://schemas.microsoft.com/office/drawing/2012/chart" uri="{CE6537A1-D6FC-4f65-9D91-7224C49458BB}"/>
               </c:extLst>
             </c:dLbl>
             <c:dLbl>
@@ -679,9 +665,7 @@
               <c:showPercent val="0"/>
               <c:showBubbleSize val="0"/>
               <c:extLst>
-                <c:ext xmlns:c15="http://schemas.microsoft.com/office/drawing/2012/chart" uri="{CE6537A1-D6FC-4f65-9D91-7224C49458BB}">
-                  <c15:layout/>
-                </c:ext>
+                <c:ext xmlns:c15="http://schemas.microsoft.com/office/drawing/2012/chart" uri="{CE6537A1-D6FC-4f65-9D91-7224C49458BB}"/>
               </c:extLst>
             </c:dLbl>
             <c:dLbl>
@@ -706,9 +690,7 @@
               <c:showPercent val="0"/>
               <c:showBubbleSize val="0"/>
               <c:extLst>
-                <c:ext xmlns:c15="http://schemas.microsoft.com/office/drawing/2012/chart" uri="{CE6537A1-D6FC-4f65-9D91-7224C49458BB}">
-                  <c15:layout/>
-                </c:ext>
+                <c:ext xmlns:c15="http://schemas.microsoft.com/office/drawing/2012/chart" uri="{CE6537A1-D6FC-4f65-9D91-7224C49458BB}"/>
               </c:extLst>
             </c:dLbl>
             <c:dLbl>
@@ -726,9 +708,7 @@
               <c:showPercent val="0"/>
               <c:showBubbleSize val="0"/>
               <c:extLst>
-                <c:ext xmlns:c15="http://schemas.microsoft.com/office/drawing/2012/chart" uri="{CE6537A1-D6FC-4f65-9D91-7224C49458BB}">
-                  <c15:layout/>
-                </c:ext>
+                <c:ext xmlns:c15="http://schemas.microsoft.com/office/drawing/2012/chart" uri="{CE6537A1-D6FC-4f65-9D91-7224C49458BB}"/>
               </c:extLst>
             </c:dLbl>
             <c:spPr>
@@ -766,7 +746,6 @@
             <c:showLeaderLines val="0"/>
             <c:extLst>
               <c:ext xmlns:c15="http://schemas.microsoft.com/office/drawing/2012/chart" uri="{CE6537A1-D6FC-4f65-9D91-7224C49458BB}">
-                <c15:layout/>
                 <c15:showLeaderLines val="1"/>
                 <c15:leaderLines>
                   <c:spPr>
@@ -936,11 +915,11 @@
         </c:dLbls>
         <c:gapWidth val="150"/>
         <c:overlap val="100"/>
-        <c:axId val="628498152"/>
-        <c:axId val="628495408"/>
+        <c:axId val="602775904"/>
+        <c:axId val="602777080"/>
       </c:barChart>
       <c:catAx>
-        <c:axId val="628498152"/>
+        <c:axId val="602775904"/>
         <c:scaling>
           <c:orientation val="minMax"/>
         </c:scaling>
@@ -980,7 +959,7 @@
             <a:endParaRPr lang="en-US"/>
           </a:p>
         </c:txPr>
-        <c:crossAx val="628495408"/>
+        <c:crossAx val="602777080"/>
         <c:crosses val="autoZero"/>
         <c:auto val="1"/>
         <c:lblAlgn val="ctr"/>
@@ -988,7 +967,7 @@
         <c:noMultiLvlLbl val="0"/>
       </c:catAx>
       <c:valAx>
-        <c:axId val="628495408"/>
+        <c:axId val="602777080"/>
         <c:scaling>
           <c:orientation val="minMax"/>
         </c:scaling>
@@ -1036,7 +1015,7 @@
             <a:endParaRPr lang="en-US"/>
           </a:p>
         </c:txPr>
-        <c:crossAx val="628498152"/>
+        <c:crossAx val="602775904"/>
         <c:crosses val="autoZero"/>
         <c:crossBetween val="between"/>
       </c:valAx>
@@ -1189,11 +1168,11 @@
           <c:showBubbleSize val="0"/>
         </c:dLbls>
         <c:gapWidth val="182"/>
-        <c:axId val="628365272"/>
-        <c:axId val="628366840"/>
+        <c:axId val="606176136"/>
+        <c:axId val="606180056"/>
       </c:barChart>
       <c:catAx>
-        <c:axId val="628365272"/>
+        <c:axId val="606176136"/>
         <c:scaling>
           <c:orientation val="minMax"/>
         </c:scaling>
@@ -1236,7 +1215,7 @@
             <a:endParaRPr lang="en-US"/>
           </a:p>
         </c:txPr>
-        <c:crossAx val="628366840"/>
+        <c:crossAx val="606180056"/>
         <c:crosses val="autoZero"/>
         <c:auto val="1"/>
         <c:lblAlgn val="ctr"/>
@@ -1244,7 +1223,7 @@
         <c:noMultiLvlLbl val="0"/>
       </c:catAx>
       <c:valAx>
-        <c:axId val="628366840"/>
+        <c:axId val="606180056"/>
         <c:scaling>
           <c:orientation val="minMax"/>
         </c:scaling>
@@ -1295,7 +1274,7 @@
             <a:endParaRPr lang="en-US"/>
           </a:p>
         </c:txPr>
-        <c:crossAx val="628365272"/>
+        <c:crossAx val="606176136"/>
         <c:crosses val="autoZero"/>
         <c:crossBetween val="between"/>
       </c:valAx>
@@ -2507,7 +2486,7 @@
             <a:fld id="{DD95B663-A359-4E54-8989-6E815F050B49}" type="datetimeFigureOut">
               <a:rPr lang="de-DE" smtClean="0"/>
               <a:pPr/>
-              <a:t>03.01.2017</a:t>
+              <a:t>04.01.2017</a:t>
             </a:fld>
             <a:endParaRPr lang="de-DE" dirty="0"/>
           </a:p>
@@ -2674,7 +2653,7 @@
             <a:fld id="{6DC243D8-2C9D-447E-8AC2-008C661E1A6F}" type="datetimeFigureOut">
               <a:rPr lang="de-DE" smtClean="0"/>
               <a:pPr/>
-              <a:t>03.01.2017</a:t>
+              <a:t>04.01.2017</a:t>
             </a:fld>
             <a:endParaRPr lang="de-DE" dirty="0"/>
           </a:p>
@@ -3096,7 +3075,7 @@
             <a:fld id="{87FFBBB1-C8EB-4E56-B1DB-58475CA8EC6C}" type="slidenum">
               <a:rPr lang="de-DE" smtClean="0"/>
               <a:pPr/>
-              <a:t>27</a:t>
+              <a:t>28</a:t>
             </a:fld>
             <a:endParaRPr lang="de-DE" dirty="0"/>
           </a:p>
@@ -3280,7 +3259,7 @@
           <a:noFill/>
           <a:extLst>
             <a:ext uri="{909E8E84-426E-40dd-AFC4-6F175D3DCCD1}">
-              <a14:hiddenFill xmlns="" xmlns:a14="http://schemas.microsoft.com/office/drawing/2010/main">
+              <a14:hiddenFill xmlns:a14="http://schemas.microsoft.com/office/drawing/2010/main" xmlns="">
                 <a:solidFill>
                   <a:srgbClr val="FFFFFF"/>
                 </a:solidFill>
@@ -3321,7 +3300,7 @@
           <a:noFill/>
           <a:extLst>
             <a:ext uri="{909E8E84-426E-40dd-AFC4-6F175D3DCCD1}">
-              <a14:hiddenFill xmlns="" xmlns:a14="http://schemas.microsoft.com/office/drawing/2010/main">
+              <a14:hiddenFill xmlns:a14="http://schemas.microsoft.com/office/drawing/2010/main" xmlns="">
                 <a:solidFill>
                   <a:srgbClr val="FFFFFF"/>
                 </a:solidFill>
@@ -4326,14 +4305,14 @@
           </a:ln>
           <a:extLst>
             <a:ext uri="{909E8E84-426E-40dd-AFC4-6F175D3DCCD1}">
-              <a14:hiddenFill xmlns="" xmlns:a14="http://schemas.microsoft.com/office/drawing/2010/main">
+              <a14:hiddenFill xmlns:a14="http://schemas.microsoft.com/office/drawing/2010/main" xmlns="">
                 <a:solidFill>
                   <a:schemeClr val="accent1"/>
                 </a:solidFill>
               </a14:hiddenFill>
             </a:ext>
             <a:ext uri="{91240B29-F687-4f45-9708-019B960494DF}">
-              <a14:hiddenLine xmlns="" xmlns:a14="http://schemas.microsoft.com/office/drawing/2010/main" w="9525">
+              <a14:hiddenLine xmlns:a14="http://schemas.microsoft.com/office/drawing/2010/main" xmlns="" w="9525">
                 <a:solidFill>
                   <a:schemeClr val="tx1"/>
                 </a:solidFill>
@@ -6896,7 +6875,7 @@
           <a:graphicData uri="http://schemas.openxmlformats.org/presentationml/2006/ole">
             <mc:AlternateContent xmlns:mc="http://schemas.openxmlformats.org/markup-compatibility/2006">
               <mc:Choice xmlns:v="urn:schemas-microsoft-com:vml" Requires="v">
-                <p:oleObj spid="_x0000_s1120" name="think-cell Folie" r:id="rId18" imgW="344" imgH="341" progId="TCLayout.ActiveDocument.1">
+                <p:oleObj spid="_x0000_s1123" name="think-cell Folie" r:id="rId18" imgW="344" imgH="341" progId="TCLayout.ActiveDocument.1">
                   <p:embed/>
                 </p:oleObj>
               </mc:Choice>
@@ -7011,8 +6990,14 @@
                 </a:solidFill>
                 <a:latin typeface="Trebuchet MS" pitchFamily="34" charset="0"/>
               </a:rPr>
-              <a:t>Intermediate Presentation AMLR</a:t>
-            </a:r>
+              <a:t>Final Presentation AML-R</a:t>
+            </a:r>
+            <a:endParaRPr lang="en-US" sz="1100" b="0" cap="none" baseline="0" noProof="0" dirty="0" smtClean="0">
+              <a:solidFill>
+                <a:schemeClr val="bg1"/>
+              </a:solidFill>
+              <a:latin typeface="Trebuchet MS" pitchFamily="34" charset="0"/>
+            </a:endParaRPr>
           </a:p>
           <a:p>
             <a:pPr>
@@ -7027,7 +7012,25 @@
                 </a:solidFill>
                 <a:latin typeface="Trebuchet MS" pitchFamily="34" charset="0"/>
               </a:rPr>
-              <a:t>Marcus Cramer</a:t>
+              <a:t>Marcus </a:t>
+            </a:r>
+            <a:r>
+              <a:rPr lang="de-DE" sz="1100" b="0" cap="none" baseline="0" noProof="0" dirty="0" smtClean="0">
+                <a:solidFill>
+                  <a:schemeClr val="bg1"/>
+                </a:solidFill>
+                <a:latin typeface="Trebuchet MS" pitchFamily="34" charset="0"/>
+              </a:rPr>
+              <a:t>Cramer, Markus </a:t>
+            </a:r>
+            <a:r>
+              <a:rPr lang="de-DE" sz="1100" b="0" cap="none" baseline="0" noProof="0" dirty="0" err="1" smtClean="0">
+                <a:solidFill>
+                  <a:schemeClr val="bg1"/>
+                </a:solidFill>
+                <a:latin typeface="Trebuchet MS" pitchFamily="34" charset="0"/>
+              </a:rPr>
+              <a:t>Heuchert</a:t>
             </a:r>
             <a:endParaRPr lang="en-US" sz="1100" b="0" cap="none" baseline="0" noProof="0" dirty="0">
               <a:solidFill>
@@ -7103,8 +7106,14 @@
                 </a:solidFill>
                 <a:latin typeface="Trebuchet MS" pitchFamily="34" charset="0"/>
               </a:rPr>
-              <a:t>2016-10-26</a:t>
-            </a:r>
+              <a:t>2017-01-17</a:t>
+            </a:r>
+            <a:endParaRPr lang="de-DE" sz="1100" b="0" cap="none" baseline="0" dirty="0" smtClean="0">
+              <a:solidFill>
+                <a:schemeClr val="bg1"/>
+              </a:solidFill>
+              <a:latin typeface="Trebuchet MS" pitchFamily="34" charset="0"/>
+            </a:endParaRPr>
           </a:p>
         </p:txBody>
       </p:sp>
@@ -7140,7 +7149,7 @@
           <a:noFill/>
           <a:extLst>
             <a:ext uri="{909E8E84-426E-40dd-AFC4-6F175D3DCCD1}">
-              <a14:hiddenFill xmlns="" xmlns:a14="http://schemas.microsoft.com/office/drawing/2010/main">
+              <a14:hiddenFill xmlns:a14="http://schemas.microsoft.com/office/drawing/2010/main" xmlns="">
                 <a:solidFill>
                   <a:srgbClr val="FFFFFF"/>
                 </a:solidFill>
@@ -12667,59 +12676,9 @@
           </p:txBody>
         </p:sp>
       </p:grpSp>
-      <p:sp>
-        <p:nvSpPr>
-          <p:cNvPr id="14" name="Rectangle 13"/>
-          <p:cNvSpPr/>
-          <p:nvPr/>
-        </p:nvSpPr>
-        <p:spPr>
-          <a:xfrm>
-            <a:off x="6876255" y="0"/>
-            <a:ext cx="3204357" cy="1232756"/>
-          </a:xfrm>
-          <a:prstGeom prst="rect">
-            <a:avLst/>
-          </a:prstGeom>
-          <a:solidFill>
-            <a:srgbClr val="FF0000"/>
-          </a:solidFill>
-          <a:ln>
-            <a:noFill/>
-          </a:ln>
-        </p:spPr>
-        <p:style>
-          <a:lnRef idx="2">
-            <a:schemeClr val="accent1">
-              <a:shade val="50000"/>
-            </a:schemeClr>
-          </a:lnRef>
-          <a:fillRef idx="1">
-            <a:schemeClr val="accent1"/>
-          </a:fillRef>
-          <a:effectRef idx="0">
-            <a:schemeClr val="accent1"/>
-          </a:effectRef>
-          <a:fontRef idx="minor">
-            <a:schemeClr val="lt1"/>
-          </a:fontRef>
-        </p:style>
-        <p:txBody>
-          <a:bodyPr rtlCol="0" anchor="ctr"/>
-          <a:lstStyle/>
-          <a:p>
-            <a:pPr algn="ctr"/>
-            <a:r>
-              <a:rPr lang="en-US" dirty="0" smtClean="0"/>
-              <a:t>Which plots?</a:t>
-            </a:r>
-            <a:endParaRPr lang="en-US" dirty="0"/>
-          </a:p>
-        </p:txBody>
-      </p:sp>
       <p:pic>
         <p:nvPicPr>
-          <p:cNvPr id="6" name="Picture 5"/>
+          <p:cNvPr id="8" name="Picture 7"/>
           <p:cNvPicPr>
             <a:picLocks noChangeAspect="1"/>
           </p:cNvPicPr>
@@ -12739,7 +12698,7 @@
         </p:blipFill>
         <p:spPr>
           <a:xfrm>
-            <a:off x="0" y="1994572"/>
+            <a:off x="648000" y="1872000"/>
             <a:ext cx="3240000" cy="3240000"/>
           </a:xfrm>
           <a:prstGeom prst="rect">
@@ -12749,7 +12708,7 @@
       </p:pic>
       <p:pic>
         <p:nvPicPr>
-          <p:cNvPr id="8" name="Picture 7"/>
+          <p:cNvPr id="9" name="Picture 8"/>
           <p:cNvPicPr>
             <a:picLocks noChangeAspect="1"/>
           </p:cNvPicPr>
@@ -12769,38 +12728,8 @@
         </p:blipFill>
         <p:spPr>
           <a:xfrm>
-            <a:off x="6416316" y="1994572"/>
-            <a:ext cx="3248980" cy="3248980"/>
-          </a:xfrm>
-          <a:prstGeom prst="rect">
-            <a:avLst/>
-          </a:prstGeom>
-        </p:spPr>
-      </p:pic>
-      <p:pic>
-        <p:nvPicPr>
-          <p:cNvPr id="9" name="Picture 8"/>
-          <p:cNvPicPr>
-            <a:picLocks noChangeAspect="1"/>
-          </p:cNvPicPr>
-          <p:nvPr/>
-        </p:nvPicPr>
-        <p:blipFill>
-          <a:blip r:embed="rId4">
-            <a:extLst>
-              <a:ext uri="{28A0092B-C50C-407E-A947-70E740481C1C}">
-                <a14:useLocalDpi xmlns:a14="http://schemas.microsoft.com/office/drawing/2010/main" val="0"/>
-              </a:ext>
-            </a:extLst>
-          </a:blip>
-          <a:stretch>
-            <a:fillRect/>
-          </a:stretch>
-        </p:blipFill>
-        <p:spPr>
-          <a:xfrm>
-            <a:off x="3023828" y="2027819"/>
-            <a:ext cx="3392488" cy="3392488"/>
+            <a:off x="4968000" y="1872000"/>
+            <a:ext cx="3240000" cy="3240000"/>
           </a:xfrm>
           <a:prstGeom prst="rect">
             <a:avLst/>
@@ -13044,56 +12973,6 @@
           </p:txBody>
         </p:sp>
       </p:grpSp>
-      <p:sp>
-        <p:nvSpPr>
-          <p:cNvPr id="15" name="Rectangle 14"/>
-          <p:cNvSpPr/>
-          <p:nvPr/>
-        </p:nvSpPr>
-        <p:spPr>
-          <a:xfrm>
-            <a:off x="6876255" y="0"/>
-            <a:ext cx="3204357" cy="1232756"/>
-          </a:xfrm>
-          <a:prstGeom prst="rect">
-            <a:avLst/>
-          </a:prstGeom>
-          <a:solidFill>
-            <a:srgbClr val="FF0000"/>
-          </a:solidFill>
-          <a:ln>
-            <a:noFill/>
-          </a:ln>
-        </p:spPr>
-        <p:style>
-          <a:lnRef idx="2">
-            <a:schemeClr val="accent1">
-              <a:shade val="50000"/>
-            </a:schemeClr>
-          </a:lnRef>
-          <a:fillRef idx="1">
-            <a:schemeClr val="accent1"/>
-          </a:fillRef>
-          <a:effectRef idx="0">
-            <a:schemeClr val="accent1"/>
-          </a:effectRef>
-          <a:fontRef idx="minor">
-            <a:schemeClr val="lt1"/>
-          </a:fontRef>
-        </p:style>
-        <p:txBody>
-          <a:bodyPr rtlCol="0" anchor="ctr"/>
-          <a:lstStyle/>
-          <a:p>
-            <a:pPr algn="ctr"/>
-            <a:r>
-              <a:rPr lang="en-US" dirty="0" smtClean="0"/>
-              <a:t>Which plots?</a:t>
-            </a:r>
-            <a:endParaRPr lang="en-US" dirty="0"/>
-          </a:p>
-        </p:txBody>
-      </p:sp>
       <p:sp>
         <p:nvSpPr>
           <p:cNvPr id="16" name="Rectangle 15"/>
@@ -13442,7 +13321,7 @@
           <p:nvPr/>
         </p:nvPicPr>
         <p:blipFill>
-          <a:blip r:embed="rId3">
+          <a:blip r:embed="rId3" cstate="print">
             <a:extLst>
               <a:ext uri="{28A0092B-C50C-407E-A947-70E740481C1C}">
                 <a14:useLocalDpi xmlns:a14="http://schemas.microsoft.com/office/drawing/2010/main" val="0"/>
@@ -13455,8 +13334,8 @@
         </p:blipFill>
         <p:spPr>
           <a:xfrm>
-            <a:off x="6581594" y="1736733"/>
-            <a:ext cx="3321821" cy="3321821"/>
+            <a:off x="648000" y="1872000"/>
+            <a:ext cx="3240000" cy="3240000"/>
           </a:xfrm>
           <a:prstGeom prst="rect">
             <a:avLst/>
@@ -13465,16 +13344,14 @@
       </p:pic>
       <p:pic>
         <p:nvPicPr>
-          <p:cNvPr id="8" name="Content Placeholder 7"/>
+          <p:cNvPr id="10" name="Picture 9"/>
           <p:cNvPicPr>
-            <a:picLocks noGrp="1" noChangeAspect="1"/>
+            <a:picLocks noChangeAspect="1"/>
           </p:cNvPicPr>
-          <p:nvPr>
-            <p:ph sz="quarter" idx="13"/>
-          </p:nvPr>
+          <p:nvPr/>
         </p:nvPicPr>
         <p:blipFill>
-          <a:blip r:embed="rId4">
+          <a:blip r:embed="rId4" cstate="print">
             <a:extLst>
               <a:ext uri="{28A0092B-C50C-407E-A947-70E740481C1C}">
                 <a14:useLocalDpi xmlns:a14="http://schemas.microsoft.com/office/drawing/2010/main" val="0"/>
@@ -13487,35 +13364,8 @@
         </p:blipFill>
         <p:spPr>
           <a:xfrm>
-            <a:off x="217672" y="945506"/>
-            <a:ext cx="4014787" cy="4014787"/>
-          </a:xfrm>
-        </p:spPr>
-      </p:pic>
-      <p:pic>
-        <p:nvPicPr>
-          <p:cNvPr id="10" name="Picture 9"/>
-          <p:cNvPicPr>
-            <a:picLocks noChangeAspect="1"/>
-          </p:cNvPicPr>
-          <p:nvPr/>
-        </p:nvPicPr>
-        <p:blipFill>
-          <a:blip r:embed="rId5">
-            <a:extLst>
-              <a:ext uri="{28A0092B-C50C-407E-A947-70E740481C1C}">
-                <a14:useLocalDpi xmlns:a14="http://schemas.microsoft.com/office/drawing/2010/main" val="0"/>
-              </a:ext>
-            </a:extLst>
-          </a:blip>
-          <a:stretch>
-            <a:fillRect/>
-          </a:stretch>
-        </p:blipFill>
-        <p:spPr>
-          <a:xfrm>
-            <a:off x="2835311" y="1331284"/>
-            <a:ext cx="3763197" cy="3763197"/>
+            <a:off x="4968000" y="1872000"/>
+            <a:ext cx="3240000" cy="3240000"/>
           </a:xfrm>
           <a:prstGeom prst="rect">
             <a:avLst/>
@@ -13554,320 +13404,6 @@
       </p:grpSpPr>
       <p:sp>
         <p:nvSpPr>
-          <p:cNvPr id="3" name="Textplatzhalter 2"/>
-          <p:cNvSpPr>
-            <a:spLocks noGrp="1"/>
-          </p:cNvSpPr>
-          <p:nvPr>
-            <p:ph type="body" sz="quarter" idx="16"/>
-          </p:nvPr>
-        </p:nvSpPr>
-        <p:spPr/>
-        <p:txBody>
-          <a:bodyPr/>
-          <a:lstStyle/>
-          <a:p>
-            <a:endParaRPr lang="en-US"/>
-          </a:p>
-        </p:txBody>
-      </p:sp>
-      <p:sp>
-        <p:nvSpPr>
-          <p:cNvPr id="4" name="Titel 3"/>
-          <p:cNvSpPr>
-            <a:spLocks noGrp="1"/>
-          </p:cNvSpPr>
-          <p:nvPr>
-            <p:ph type="title"/>
-          </p:nvPr>
-        </p:nvSpPr>
-        <p:spPr/>
-        <p:txBody>
-          <a:bodyPr/>
-          <a:lstStyle/>
-          <a:p>
-            <a:r>
-              <a:rPr lang="de-DE" dirty="0" smtClean="0"/>
-              <a:t>Agenda</a:t>
-            </a:r>
-            <a:endParaRPr lang="en-US" dirty="0"/>
-          </a:p>
-        </p:txBody>
-      </p:sp>
-      <p:sp>
-        <p:nvSpPr>
-          <p:cNvPr id="5" name="Inhaltsplatzhalter 4"/>
-          <p:cNvSpPr>
-            <a:spLocks noGrp="1"/>
-          </p:cNvSpPr>
-          <p:nvPr>
-            <p:ph sz="quarter" idx="17"/>
-          </p:nvPr>
-        </p:nvSpPr>
-        <p:spPr/>
-        <p:txBody>
-          <a:bodyPr/>
-          <a:lstStyle/>
-          <a:p>
-            <a:endParaRPr lang="en-US"/>
-          </a:p>
-        </p:txBody>
-      </p:sp>
-      <p:cxnSp>
-        <p:nvCxnSpPr>
-          <p:cNvPr id="7" name="Gerader Verbinder 6"/>
-          <p:cNvCxnSpPr/>
-          <p:nvPr/>
-        </p:nvCxnSpPr>
-        <p:spPr>
-          <a:xfrm>
-            <a:off x="827584" y="1773216"/>
-            <a:ext cx="0" cy="3600000"/>
-          </a:xfrm>
-          <a:prstGeom prst="line">
-            <a:avLst/>
-          </a:prstGeom>
-          <a:ln w="19050"/>
-        </p:spPr>
-        <p:style>
-          <a:lnRef idx="1">
-            <a:schemeClr val="accent1"/>
-          </a:lnRef>
-          <a:fillRef idx="0">
-            <a:schemeClr val="accent1"/>
-          </a:fillRef>
-          <a:effectRef idx="0">
-            <a:schemeClr val="accent1"/>
-          </a:effectRef>
-          <a:fontRef idx="minor">
-            <a:schemeClr val="tx1"/>
-          </a:fontRef>
-        </p:style>
-      </p:cxnSp>
-      <p:sp>
-        <p:nvSpPr>
-          <p:cNvPr id="8" name="Gleichschenkliges Dreieck 7"/>
-          <p:cNvSpPr/>
-          <p:nvPr/>
-        </p:nvSpPr>
-        <p:spPr>
-          <a:xfrm rot="5400000">
-            <a:off x="827584" y="3897052"/>
-            <a:ext cx="360040" cy="216024"/>
-          </a:xfrm>
-          <a:prstGeom prst="triangle">
-            <a:avLst/>
-          </a:prstGeom>
-          <a:ln>
-            <a:noFill/>
-          </a:ln>
-        </p:spPr>
-        <p:style>
-          <a:lnRef idx="2">
-            <a:schemeClr val="accent1">
-              <a:shade val="50000"/>
-            </a:schemeClr>
-          </a:lnRef>
-          <a:fillRef idx="1">
-            <a:schemeClr val="accent1"/>
-          </a:fillRef>
-          <a:effectRef idx="0">
-            <a:schemeClr val="accent1"/>
-          </a:effectRef>
-          <a:fontRef idx="minor">
-            <a:schemeClr val="lt1"/>
-          </a:fontRef>
-        </p:style>
-        <p:txBody>
-          <a:bodyPr rtlCol="0" anchor="ctr"/>
-          <a:lstStyle/>
-          <a:p>
-            <a:pPr algn="ctr"/>
-            <a:endParaRPr lang="en-US"/>
-          </a:p>
-        </p:txBody>
-      </p:sp>
-      <p:sp>
-        <p:nvSpPr>
-          <p:cNvPr id="9" name="Textfeld 8"/>
-          <p:cNvSpPr txBox="1"/>
-          <p:nvPr/>
-        </p:nvSpPr>
-        <p:spPr>
-          <a:xfrm>
-            <a:off x="1223628" y="2168860"/>
-            <a:ext cx="5364596" cy="2862322"/>
-          </a:xfrm>
-          <a:prstGeom prst="rect">
-            <a:avLst/>
-          </a:prstGeom>
-          <a:noFill/>
-        </p:spPr>
-        <p:txBody>
-          <a:bodyPr wrap="square" rtlCol="0">
-            <a:spAutoFit/>
-          </a:bodyPr>
-          <a:lstStyle/>
-          <a:p>
-            <a:pPr marL="342900" indent="-342900">
-              <a:buAutoNum type="arabicPeriod"/>
-            </a:pPr>
-            <a:r>
-              <a:rPr lang="de-DE" dirty="0" smtClean="0"/>
-              <a:t>Data </a:t>
-            </a:r>
-            <a:r>
-              <a:rPr lang="de-DE" dirty="0" err="1" smtClean="0"/>
-              <a:t>understanding</a:t>
-            </a:r>
-            <a:endParaRPr lang="de-DE" dirty="0" smtClean="0"/>
-          </a:p>
-          <a:p>
-            <a:pPr marL="342900" indent="-342900">
-              <a:buAutoNum type="arabicPeriod"/>
-            </a:pPr>
-            <a:endParaRPr lang="de-DE" dirty="0"/>
-          </a:p>
-          <a:p>
-            <a:pPr marL="342900" indent="-342900">
-              <a:buAutoNum type="arabicPeriod"/>
-            </a:pPr>
-            <a:endParaRPr lang="de-DE" dirty="0" smtClean="0"/>
-          </a:p>
-          <a:p>
-            <a:pPr marL="342900" indent="-342900">
-              <a:buAutoNum type="arabicPeriod"/>
-            </a:pPr>
-            <a:r>
-              <a:rPr lang="de-DE" dirty="0" smtClean="0"/>
-              <a:t>Data </a:t>
-            </a:r>
-            <a:r>
-              <a:rPr lang="de-DE" dirty="0" err="1" smtClean="0"/>
-              <a:t>cleaning</a:t>
-            </a:r>
-            <a:endParaRPr lang="de-DE" dirty="0" smtClean="0"/>
-          </a:p>
-          <a:p>
-            <a:pPr marL="342900" indent="-342900">
-              <a:buAutoNum type="arabicPeriod"/>
-            </a:pPr>
-            <a:endParaRPr lang="de-DE" dirty="0"/>
-          </a:p>
-          <a:p>
-            <a:pPr marL="342900" indent="-342900">
-              <a:buAutoNum type="arabicPeriod"/>
-            </a:pPr>
-            <a:endParaRPr lang="de-DE" dirty="0" smtClean="0"/>
-          </a:p>
-          <a:p>
-            <a:pPr marL="342900" indent="-342900">
-              <a:buAutoNum type="arabicPeriod"/>
-            </a:pPr>
-            <a:r>
-              <a:rPr lang="de-DE" dirty="0" err="1" smtClean="0"/>
-              <a:t>Machine</a:t>
-            </a:r>
-            <a:r>
-              <a:rPr lang="de-DE" dirty="0" smtClean="0"/>
-              <a:t> </a:t>
-            </a:r>
-            <a:r>
-              <a:rPr lang="de-DE" dirty="0" err="1" smtClean="0"/>
-              <a:t>learning</a:t>
-            </a:r>
-            <a:r>
-              <a:rPr lang="de-DE" dirty="0" smtClean="0"/>
-              <a:t> </a:t>
-            </a:r>
-            <a:r>
-              <a:rPr lang="de-DE" dirty="0" err="1" smtClean="0"/>
-              <a:t>approaches</a:t>
-            </a:r>
-            <a:endParaRPr lang="de-DE" dirty="0" smtClean="0"/>
-          </a:p>
-          <a:p>
-            <a:pPr marL="342900" indent="-342900">
-              <a:buAutoNum type="arabicPeriod"/>
-            </a:pPr>
-            <a:endParaRPr lang="de-DE" dirty="0" smtClean="0"/>
-          </a:p>
-          <a:p>
-            <a:pPr marL="342900" indent="-342900">
-              <a:buAutoNum type="arabicPeriod"/>
-            </a:pPr>
-            <a:endParaRPr lang="de-DE" dirty="0"/>
-          </a:p>
-          <a:p>
-            <a:pPr marL="342900" indent="-342900">
-              <a:buAutoNum type="arabicPeriod"/>
-            </a:pPr>
-            <a:r>
-              <a:rPr lang="de-DE" dirty="0" err="1" smtClean="0"/>
-              <a:t>Results</a:t>
-            </a:r>
-            <a:endParaRPr lang="de-DE" dirty="0" smtClean="0"/>
-          </a:p>
-        </p:txBody>
-      </p:sp>
-    </p:spTree>
-    <p:extLst>
-      <p:ext uri="{BB962C8B-B14F-4D97-AF65-F5344CB8AC3E}">
-        <p14:creationId xmlns:p14="http://schemas.microsoft.com/office/powerpoint/2010/main" val="507504380"/>
-      </p:ext>
-    </p:extLst>
-  </p:cSld>
-  <p:clrMapOvr>
-    <a:masterClrMapping/>
-  </p:clrMapOvr>
-  <p:timing>
-    <p:tnLst>
-      <p:par>
-        <p:cTn id="1" dur="indefinite" restart="never" nodeType="tmRoot"/>
-      </p:par>
-    </p:tnLst>
-  </p:timing>
-</p:sld>
-</file>
-
-<file path=ppt/slides/slide24.xml><?xml version="1.0" encoding="utf-8"?>
-<p:sld xmlns:a="http://schemas.openxmlformats.org/drawingml/2006/main" xmlns:r="http://schemas.openxmlformats.org/officeDocument/2006/relationships" xmlns:p="http://schemas.openxmlformats.org/presentationml/2006/main">
-  <p:cSld>
-    <p:spTree>
-      <p:nvGrpSpPr>
-        <p:cNvPr id="1" name=""/>
-        <p:cNvGrpSpPr/>
-        <p:nvPr/>
-      </p:nvGrpSpPr>
-      <p:grpSpPr>
-        <a:xfrm>
-          <a:off x="0" y="0"/>
-          <a:ext cx="0" cy="0"/>
-          <a:chOff x="0" y="0"/>
-          <a:chExt cx="0" cy="0"/>
-        </a:xfrm>
-      </p:grpSpPr>
-      <p:sp>
-        <p:nvSpPr>
-          <p:cNvPr id="3" name="Text Placeholder 2"/>
-          <p:cNvSpPr>
-            <a:spLocks noGrp="1"/>
-          </p:cNvSpPr>
-          <p:nvPr>
-            <p:ph type="body" sz="quarter" idx="16"/>
-          </p:nvPr>
-        </p:nvSpPr>
-        <p:spPr/>
-        <p:txBody>
-          <a:bodyPr/>
-          <a:lstStyle/>
-          <a:p>
-            <a:endParaRPr lang="en-US"/>
-          </a:p>
-        </p:txBody>
-      </p:sp>
-      <p:sp>
-        <p:nvSpPr>
           <p:cNvPr id="7" name="Title 3"/>
           <p:cNvSpPr>
             <a:spLocks noGrp="1"/>
@@ -13888,7 +13424,7 @@
           <a:p>
             <a:r>
               <a:rPr lang="en-US" dirty="0" smtClean="0"/>
-              <a:t>Publications on big data</a:t>
+              <a:t>PCA reveals steep curve; however, no distinct elbow can be identified</a:t>
             </a:r>
             <a:endParaRPr lang="en-US" dirty="0"/>
           </a:p>
@@ -14047,6 +13583,881 @@
           <a:p>
             <a:r>
               <a:rPr lang="de-DE" sz="1400" dirty="0" smtClean="0"/>
+              <a:t>The </a:t>
+            </a:r>
+            <a:r>
+              <a:rPr lang="de-DE" sz="1400" dirty="0" err="1" smtClean="0"/>
+              <a:t>first</a:t>
+            </a:r>
+            <a:r>
+              <a:rPr lang="de-DE" sz="1400" dirty="0" smtClean="0"/>
+              <a:t> 600 PCs </a:t>
+            </a:r>
+            <a:r>
+              <a:rPr lang="de-DE" sz="1400" dirty="0" err="1" smtClean="0"/>
+              <a:t>explain</a:t>
+            </a:r>
+            <a:r>
+              <a:rPr lang="de-DE" sz="1400" dirty="0" smtClean="0"/>
+              <a:t> </a:t>
+            </a:r>
+            <a:r>
+              <a:rPr lang="de-DE" sz="1400" dirty="0" err="1" smtClean="0"/>
+              <a:t>more</a:t>
+            </a:r>
+            <a:r>
+              <a:rPr lang="de-DE" sz="1400" dirty="0" smtClean="0"/>
+              <a:t> </a:t>
+            </a:r>
+            <a:r>
+              <a:rPr lang="de-DE" sz="1400" dirty="0" err="1" smtClean="0"/>
+              <a:t>than</a:t>
+            </a:r>
+            <a:r>
+              <a:rPr lang="de-DE" sz="1400" dirty="0" smtClean="0"/>
+              <a:t> 80% </a:t>
+            </a:r>
+            <a:r>
+              <a:rPr lang="de-DE" sz="1400" dirty="0" err="1" smtClean="0"/>
+              <a:t>of</a:t>
+            </a:r>
+            <a:r>
+              <a:rPr lang="de-DE" sz="1400" dirty="0" smtClean="0"/>
+              <a:t> </a:t>
+            </a:r>
+            <a:r>
+              <a:rPr lang="de-DE" sz="1400" dirty="0" err="1" smtClean="0"/>
+              <a:t>the</a:t>
+            </a:r>
+            <a:r>
+              <a:rPr lang="de-DE" sz="1400" dirty="0" smtClean="0"/>
+              <a:t> </a:t>
+            </a:r>
+            <a:r>
+              <a:rPr lang="de-DE" sz="1400" dirty="0" err="1" smtClean="0"/>
+              <a:t>variance</a:t>
+            </a:r>
+            <a:r>
+              <a:rPr lang="de-DE" sz="1400" dirty="0" smtClean="0"/>
+              <a:t>; </a:t>
+            </a:r>
+            <a:r>
+              <a:rPr lang="de-DE" sz="1400" dirty="0" err="1" smtClean="0"/>
+              <a:t>decreasing</a:t>
+            </a:r>
+            <a:r>
+              <a:rPr lang="de-DE" sz="1400" dirty="0" smtClean="0"/>
+              <a:t> </a:t>
+            </a:r>
+            <a:r>
+              <a:rPr lang="de-DE" sz="1400" dirty="0" err="1" smtClean="0"/>
+              <a:t>the</a:t>
+            </a:r>
+            <a:r>
+              <a:rPr lang="de-DE" sz="1400" dirty="0" smtClean="0"/>
+              <a:t> </a:t>
+            </a:r>
+            <a:r>
+              <a:rPr lang="de-DE" sz="1400" dirty="0" err="1" smtClean="0"/>
+              <a:t>dimensionality</a:t>
+            </a:r>
+            <a:r>
+              <a:rPr lang="de-DE" sz="1400" dirty="0" smtClean="0"/>
+              <a:t> </a:t>
+            </a:r>
+            <a:r>
+              <a:rPr lang="de-DE" sz="1400" dirty="0" err="1" smtClean="0"/>
+              <a:t>might</a:t>
+            </a:r>
+            <a:r>
+              <a:rPr lang="de-DE" sz="1400" dirty="0" smtClean="0"/>
+              <a:t> </a:t>
+            </a:r>
+            <a:r>
+              <a:rPr lang="de-DE" sz="1400" dirty="0" err="1" smtClean="0"/>
+              <a:t>be</a:t>
+            </a:r>
+            <a:r>
+              <a:rPr lang="de-DE" sz="1400" dirty="0" smtClean="0"/>
+              <a:t> </a:t>
+            </a:r>
+            <a:r>
+              <a:rPr lang="de-DE" sz="1400" dirty="0" err="1" smtClean="0"/>
+              <a:t>utilized</a:t>
+            </a:r>
+            <a:r>
+              <a:rPr lang="de-DE" sz="1400" dirty="0" smtClean="0"/>
+              <a:t> </a:t>
+            </a:r>
+            <a:r>
+              <a:rPr lang="de-DE" sz="1400" dirty="0" err="1" smtClean="0"/>
+              <a:t>for</a:t>
+            </a:r>
+            <a:r>
+              <a:rPr lang="de-DE" sz="1400" dirty="0" smtClean="0"/>
+              <a:t> </a:t>
+            </a:r>
+            <a:r>
+              <a:rPr lang="de-DE" sz="1400" dirty="0" err="1" smtClean="0"/>
+              <a:t>performance</a:t>
+            </a:r>
+            <a:r>
+              <a:rPr lang="de-DE" sz="1400" dirty="0" smtClean="0"/>
+              <a:t> </a:t>
+            </a:r>
+            <a:r>
+              <a:rPr lang="de-DE" sz="1400" dirty="0" err="1" smtClean="0"/>
+              <a:t>improvements</a:t>
+            </a:r>
+            <a:r>
+              <a:rPr lang="de-DE" sz="1400" dirty="0" smtClean="0"/>
+              <a:t>.</a:t>
+            </a:r>
+            <a:endParaRPr lang="en-US" sz="1400" dirty="0"/>
+          </a:p>
+        </p:txBody>
+      </p:sp>
+      <p:pic>
+        <p:nvPicPr>
+          <p:cNvPr id="5" name="Grafik 4"/>
+          <p:cNvPicPr>
+            <a:picLocks noChangeAspect="1"/>
+          </p:cNvPicPr>
+          <p:nvPr/>
+        </p:nvPicPr>
+        <p:blipFill>
+          <a:blip r:embed="rId3" cstate="print">
+            <a:extLst>
+              <a:ext uri="{28A0092B-C50C-407E-A947-70E740481C1C}">
+                <a14:useLocalDpi xmlns:a14="http://schemas.microsoft.com/office/drawing/2010/main" val="0"/>
+              </a:ext>
+            </a:extLst>
+          </a:blip>
+          <a:stretch>
+            <a:fillRect/>
+          </a:stretch>
+        </p:blipFill>
+        <p:spPr>
+          <a:xfrm>
+            <a:off x="4968000" y="1872000"/>
+            <a:ext cx="3240000" cy="3240000"/>
+          </a:xfrm>
+          <a:prstGeom prst="rect">
+            <a:avLst/>
+          </a:prstGeom>
+        </p:spPr>
+      </p:pic>
+      <p:pic>
+        <p:nvPicPr>
+          <p:cNvPr id="6" name="Grafik 5"/>
+          <p:cNvPicPr>
+            <a:picLocks noChangeAspect="1"/>
+          </p:cNvPicPr>
+          <p:nvPr/>
+        </p:nvPicPr>
+        <p:blipFill>
+          <a:blip r:embed="rId4" cstate="print">
+            <a:extLst>
+              <a:ext uri="{28A0092B-C50C-407E-A947-70E740481C1C}">
+                <a14:useLocalDpi xmlns:a14="http://schemas.microsoft.com/office/drawing/2010/main" val="0"/>
+              </a:ext>
+            </a:extLst>
+          </a:blip>
+          <a:stretch>
+            <a:fillRect/>
+          </a:stretch>
+        </p:blipFill>
+        <p:spPr>
+          <a:xfrm>
+            <a:off x="648000" y="1872000"/>
+            <a:ext cx="3240000" cy="3240000"/>
+          </a:xfrm>
+          <a:prstGeom prst="rect">
+            <a:avLst/>
+          </a:prstGeom>
+        </p:spPr>
+      </p:pic>
+      <p:grpSp>
+        <p:nvGrpSpPr>
+          <p:cNvPr id="28" name="Group 19"/>
+          <p:cNvGrpSpPr/>
+          <p:nvPr/>
+        </p:nvGrpSpPr>
+        <p:grpSpPr>
+          <a:xfrm>
+            <a:off x="358775" y="1393031"/>
+            <a:ext cx="3889189" cy="307777"/>
+            <a:chOff x="358775" y="1609055"/>
+            <a:chExt cx="3889189" cy="307777"/>
+          </a:xfrm>
+        </p:grpSpPr>
+        <p:cxnSp>
+          <p:nvCxnSpPr>
+            <p:cNvPr id="29" name="Straight Connector 20"/>
+            <p:cNvCxnSpPr/>
+            <p:nvPr/>
+          </p:nvCxnSpPr>
+          <p:spPr>
+            <a:xfrm>
+              <a:off x="358775" y="1916832"/>
+              <a:ext cx="3889189" cy="0"/>
+            </a:xfrm>
+            <a:prstGeom prst="line">
+              <a:avLst/>
+            </a:prstGeom>
+          </p:spPr>
+          <p:style>
+            <a:lnRef idx="1">
+              <a:schemeClr val="accent1"/>
+            </a:lnRef>
+            <a:fillRef idx="0">
+              <a:schemeClr val="accent1"/>
+            </a:fillRef>
+            <a:effectRef idx="0">
+              <a:schemeClr val="accent1"/>
+            </a:effectRef>
+            <a:fontRef idx="minor">
+              <a:schemeClr val="tx1"/>
+            </a:fontRef>
+          </p:style>
+        </p:cxnSp>
+        <p:sp>
+          <p:nvSpPr>
+            <p:cNvPr id="30" name="TextBox 21"/>
+            <p:cNvSpPr txBox="1"/>
+            <p:nvPr/>
+          </p:nvSpPr>
+          <p:spPr>
+            <a:xfrm>
+              <a:off x="358775" y="1609055"/>
+              <a:ext cx="3889189" cy="307777"/>
+            </a:xfrm>
+            <a:prstGeom prst="rect">
+              <a:avLst/>
+            </a:prstGeom>
+            <a:noFill/>
+          </p:spPr>
+          <p:txBody>
+            <a:bodyPr wrap="square" rtlCol="0">
+              <a:spAutoFit/>
+            </a:bodyPr>
+            <a:lstStyle/>
+            <a:p>
+              <a:pPr algn="ctr"/>
+              <a:r>
+                <a:rPr lang="en-US" sz="1400" b="1" dirty="0" smtClean="0"/>
+                <a:t>Explained variance by PCs</a:t>
+              </a:r>
+              <a:endParaRPr lang="en-US" sz="1400" b="1" dirty="0"/>
+            </a:p>
+          </p:txBody>
+        </p:sp>
+      </p:grpSp>
+      <p:grpSp>
+        <p:nvGrpSpPr>
+          <p:cNvPr id="31" name="Group 22"/>
+          <p:cNvGrpSpPr/>
+          <p:nvPr/>
+        </p:nvGrpSpPr>
+        <p:grpSpPr>
+          <a:xfrm>
+            <a:off x="4896036" y="1393030"/>
+            <a:ext cx="3889189" cy="307777"/>
+            <a:chOff x="358775" y="1609055"/>
+            <a:chExt cx="3889189" cy="307777"/>
+          </a:xfrm>
+        </p:grpSpPr>
+        <p:cxnSp>
+          <p:nvCxnSpPr>
+            <p:cNvPr id="32" name="Straight Connector 23"/>
+            <p:cNvCxnSpPr/>
+            <p:nvPr/>
+          </p:nvCxnSpPr>
+          <p:spPr>
+            <a:xfrm>
+              <a:off x="358775" y="1916832"/>
+              <a:ext cx="3889189" cy="0"/>
+            </a:xfrm>
+            <a:prstGeom prst="line">
+              <a:avLst/>
+            </a:prstGeom>
+          </p:spPr>
+          <p:style>
+            <a:lnRef idx="1">
+              <a:schemeClr val="accent1"/>
+            </a:lnRef>
+            <a:fillRef idx="0">
+              <a:schemeClr val="accent1"/>
+            </a:fillRef>
+            <a:effectRef idx="0">
+              <a:schemeClr val="accent1"/>
+            </a:effectRef>
+            <a:fontRef idx="minor">
+              <a:schemeClr val="tx1"/>
+            </a:fontRef>
+          </p:style>
+        </p:cxnSp>
+        <p:sp>
+          <p:nvSpPr>
+            <p:cNvPr id="33" name="TextBox 24"/>
+            <p:cNvSpPr txBox="1"/>
+            <p:nvPr/>
+          </p:nvSpPr>
+          <p:spPr>
+            <a:xfrm>
+              <a:off x="358775" y="1609055"/>
+              <a:ext cx="3889189" cy="307777"/>
+            </a:xfrm>
+            <a:prstGeom prst="rect">
+              <a:avLst/>
+            </a:prstGeom>
+            <a:noFill/>
+          </p:spPr>
+          <p:txBody>
+            <a:bodyPr wrap="square" rtlCol="0">
+              <a:spAutoFit/>
+            </a:bodyPr>
+            <a:lstStyle/>
+            <a:p>
+              <a:pPr algn="ctr"/>
+              <a:r>
+                <a:rPr lang="en-US" sz="1400" b="1" dirty="0" err="1" smtClean="0"/>
+                <a:t>Cumsum</a:t>
+              </a:r>
+              <a:r>
+                <a:rPr lang="en-US" sz="1400" b="1" dirty="0" smtClean="0"/>
+                <a:t> of variance of PCs</a:t>
+              </a:r>
+              <a:endParaRPr lang="en-US" sz="1400" b="1" dirty="0"/>
+            </a:p>
+          </p:txBody>
+        </p:sp>
+      </p:grpSp>
+    </p:spTree>
+    <p:extLst>
+      <p:ext uri="{BB962C8B-B14F-4D97-AF65-F5344CB8AC3E}">
+        <p14:creationId xmlns:p14="http://schemas.microsoft.com/office/powerpoint/2010/main" val="4086065814"/>
+      </p:ext>
+    </p:extLst>
+  </p:cSld>
+  <p:clrMapOvr>
+    <a:masterClrMapping/>
+  </p:clrMapOvr>
+</p:sld>
+</file>
+
+<file path=ppt/slides/slide24.xml><?xml version="1.0" encoding="utf-8"?>
+<p:sld xmlns:a="http://schemas.openxmlformats.org/drawingml/2006/main" xmlns:r="http://schemas.openxmlformats.org/officeDocument/2006/relationships" xmlns:p="http://schemas.openxmlformats.org/presentationml/2006/main">
+  <p:cSld>
+    <p:spTree>
+      <p:nvGrpSpPr>
+        <p:cNvPr id="1" name=""/>
+        <p:cNvGrpSpPr/>
+        <p:nvPr/>
+      </p:nvGrpSpPr>
+      <p:grpSpPr>
+        <a:xfrm>
+          <a:off x="0" y="0"/>
+          <a:ext cx="0" cy="0"/>
+          <a:chOff x="0" y="0"/>
+          <a:chExt cx="0" cy="0"/>
+        </a:xfrm>
+      </p:grpSpPr>
+      <p:sp>
+        <p:nvSpPr>
+          <p:cNvPr id="3" name="Textplatzhalter 2"/>
+          <p:cNvSpPr>
+            <a:spLocks noGrp="1"/>
+          </p:cNvSpPr>
+          <p:nvPr>
+            <p:ph type="body" sz="quarter" idx="16"/>
+          </p:nvPr>
+        </p:nvSpPr>
+        <p:spPr/>
+        <p:txBody>
+          <a:bodyPr/>
+          <a:lstStyle/>
+          <a:p>
+            <a:endParaRPr lang="en-US"/>
+          </a:p>
+        </p:txBody>
+      </p:sp>
+      <p:sp>
+        <p:nvSpPr>
+          <p:cNvPr id="4" name="Titel 3"/>
+          <p:cNvSpPr>
+            <a:spLocks noGrp="1"/>
+          </p:cNvSpPr>
+          <p:nvPr>
+            <p:ph type="title"/>
+          </p:nvPr>
+        </p:nvSpPr>
+        <p:spPr/>
+        <p:txBody>
+          <a:bodyPr/>
+          <a:lstStyle/>
+          <a:p>
+            <a:r>
+              <a:rPr lang="de-DE" dirty="0" smtClean="0"/>
+              <a:t>Agenda</a:t>
+            </a:r>
+            <a:endParaRPr lang="en-US" dirty="0"/>
+          </a:p>
+        </p:txBody>
+      </p:sp>
+      <p:sp>
+        <p:nvSpPr>
+          <p:cNvPr id="5" name="Inhaltsplatzhalter 4"/>
+          <p:cNvSpPr>
+            <a:spLocks noGrp="1"/>
+          </p:cNvSpPr>
+          <p:nvPr>
+            <p:ph sz="quarter" idx="17"/>
+          </p:nvPr>
+        </p:nvSpPr>
+        <p:spPr/>
+        <p:txBody>
+          <a:bodyPr/>
+          <a:lstStyle/>
+          <a:p>
+            <a:endParaRPr lang="en-US"/>
+          </a:p>
+        </p:txBody>
+      </p:sp>
+      <p:cxnSp>
+        <p:nvCxnSpPr>
+          <p:cNvPr id="7" name="Gerader Verbinder 6"/>
+          <p:cNvCxnSpPr/>
+          <p:nvPr/>
+        </p:nvCxnSpPr>
+        <p:spPr>
+          <a:xfrm>
+            <a:off x="827584" y="1773216"/>
+            <a:ext cx="0" cy="3600000"/>
+          </a:xfrm>
+          <a:prstGeom prst="line">
+            <a:avLst/>
+          </a:prstGeom>
+          <a:ln w="19050"/>
+        </p:spPr>
+        <p:style>
+          <a:lnRef idx="1">
+            <a:schemeClr val="accent1"/>
+          </a:lnRef>
+          <a:fillRef idx="0">
+            <a:schemeClr val="accent1"/>
+          </a:fillRef>
+          <a:effectRef idx="0">
+            <a:schemeClr val="accent1"/>
+          </a:effectRef>
+          <a:fontRef idx="minor">
+            <a:schemeClr val="tx1"/>
+          </a:fontRef>
+        </p:style>
+      </p:cxnSp>
+      <p:sp>
+        <p:nvSpPr>
+          <p:cNvPr id="8" name="Gleichschenkliges Dreieck 7"/>
+          <p:cNvSpPr/>
+          <p:nvPr/>
+        </p:nvSpPr>
+        <p:spPr>
+          <a:xfrm rot="5400000">
+            <a:off x="827584" y="3897052"/>
+            <a:ext cx="360040" cy="216024"/>
+          </a:xfrm>
+          <a:prstGeom prst="triangle">
+            <a:avLst/>
+          </a:prstGeom>
+          <a:ln>
+            <a:noFill/>
+          </a:ln>
+        </p:spPr>
+        <p:style>
+          <a:lnRef idx="2">
+            <a:schemeClr val="accent1">
+              <a:shade val="50000"/>
+            </a:schemeClr>
+          </a:lnRef>
+          <a:fillRef idx="1">
+            <a:schemeClr val="accent1"/>
+          </a:fillRef>
+          <a:effectRef idx="0">
+            <a:schemeClr val="accent1"/>
+          </a:effectRef>
+          <a:fontRef idx="minor">
+            <a:schemeClr val="lt1"/>
+          </a:fontRef>
+        </p:style>
+        <p:txBody>
+          <a:bodyPr rtlCol="0" anchor="ctr"/>
+          <a:lstStyle/>
+          <a:p>
+            <a:pPr algn="ctr"/>
+            <a:endParaRPr lang="en-US"/>
+          </a:p>
+        </p:txBody>
+      </p:sp>
+      <p:sp>
+        <p:nvSpPr>
+          <p:cNvPr id="9" name="Textfeld 8"/>
+          <p:cNvSpPr txBox="1"/>
+          <p:nvPr/>
+        </p:nvSpPr>
+        <p:spPr>
+          <a:xfrm>
+            <a:off x="1223628" y="2168860"/>
+            <a:ext cx="5364596" cy="2862322"/>
+          </a:xfrm>
+          <a:prstGeom prst="rect">
+            <a:avLst/>
+          </a:prstGeom>
+          <a:noFill/>
+        </p:spPr>
+        <p:txBody>
+          <a:bodyPr wrap="square" rtlCol="0">
+            <a:spAutoFit/>
+          </a:bodyPr>
+          <a:lstStyle/>
+          <a:p>
+            <a:pPr marL="342900" indent="-342900">
+              <a:buAutoNum type="arabicPeriod"/>
+            </a:pPr>
+            <a:r>
+              <a:rPr lang="de-DE" dirty="0" smtClean="0"/>
+              <a:t>Data </a:t>
+            </a:r>
+            <a:r>
+              <a:rPr lang="de-DE" dirty="0" err="1" smtClean="0"/>
+              <a:t>understanding</a:t>
+            </a:r>
+            <a:endParaRPr lang="de-DE" dirty="0" smtClean="0"/>
+          </a:p>
+          <a:p>
+            <a:pPr marL="342900" indent="-342900">
+              <a:buAutoNum type="arabicPeriod"/>
+            </a:pPr>
+            <a:endParaRPr lang="de-DE" dirty="0"/>
+          </a:p>
+          <a:p>
+            <a:pPr marL="342900" indent="-342900">
+              <a:buAutoNum type="arabicPeriod"/>
+            </a:pPr>
+            <a:endParaRPr lang="de-DE" dirty="0" smtClean="0"/>
+          </a:p>
+          <a:p>
+            <a:pPr marL="342900" indent="-342900">
+              <a:buAutoNum type="arabicPeriod"/>
+            </a:pPr>
+            <a:r>
+              <a:rPr lang="de-DE" dirty="0" smtClean="0"/>
+              <a:t>Data </a:t>
+            </a:r>
+            <a:r>
+              <a:rPr lang="de-DE" dirty="0" err="1" smtClean="0"/>
+              <a:t>cleaning</a:t>
+            </a:r>
+            <a:endParaRPr lang="de-DE" dirty="0" smtClean="0"/>
+          </a:p>
+          <a:p>
+            <a:pPr marL="342900" indent="-342900">
+              <a:buAutoNum type="arabicPeriod"/>
+            </a:pPr>
+            <a:endParaRPr lang="de-DE" dirty="0"/>
+          </a:p>
+          <a:p>
+            <a:pPr marL="342900" indent="-342900">
+              <a:buAutoNum type="arabicPeriod"/>
+            </a:pPr>
+            <a:endParaRPr lang="de-DE" dirty="0" smtClean="0"/>
+          </a:p>
+          <a:p>
+            <a:pPr marL="342900" indent="-342900">
+              <a:buAutoNum type="arabicPeriod"/>
+            </a:pPr>
+            <a:r>
+              <a:rPr lang="de-DE" dirty="0" err="1" smtClean="0"/>
+              <a:t>Machine</a:t>
+            </a:r>
+            <a:r>
+              <a:rPr lang="de-DE" dirty="0" smtClean="0"/>
+              <a:t> </a:t>
+            </a:r>
+            <a:r>
+              <a:rPr lang="de-DE" dirty="0" err="1" smtClean="0"/>
+              <a:t>learning</a:t>
+            </a:r>
+            <a:r>
+              <a:rPr lang="de-DE" dirty="0" smtClean="0"/>
+              <a:t> </a:t>
+            </a:r>
+            <a:r>
+              <a:rPr lang="de-DE" dirty="0" err="1" smtClean="0"/>
+              <a:t>approaches</a:t>
+            </a:r>
+            <a:endParaRPr lang="de-DE" dirty="0" smtClean="0"/>
+          </a:p>
+          <a:p>
+            <a:pPr marL="342900" indent="-342900">
+              <a:buAutoNum type="arabicPeriod"/>
+            </a:pPr>
+            <a:endParaRPr lang="de-DE" dirty="0" smtClean="0"/>
+          </a:p>
+          <a:p>
+            <a:pPr marL="342900" indent="-342900">
+              <a:buAutoNum type="arabicPeriod"/>
+            </a:pPr>
+            <a:endParaRPr lang="de-DE" dirty="0"/>
+          </a:p>
+          <a:p>
+            <a:pPr marL="342900" indent="-342900">
+              <a:buAutoNum type="arabicPeriod"/>
+            </a:pPr>
+            <a:r>
+              <a:rPr lang="de-DE" dirty="0" err="1" smtClean="0"/>
+              <a:t>Results</a:t>
+            </a:r>
+            <a:endParaRPr lang="de-DE" dirty="0" smtClean="0"/>
+          </a:p>
+        </p:txBody>
+      </p:sp>
+    </p:spTree>
+    <p:extLst>
+      <p:ext uri="{BB962C8B-B14F-4D97-AF65-F5344CB8AC3E}">
+        <p14:creationId xmlns:p14="http://schemas.microsoft.com/office/powerpoint/2010/main" val="507504380"/>
+      </p:ext>
+    </p:extLst>
+  </p:cSld>
+  <p:clrMapOvr>
+    <a:masterClrMapping/>
+  </p:clrMapOvr>
+  <p:timing>
+    <p:tnLst>
+      <p:par>
+        <p:cTn id="1" dur="indefinite" restart="never" nodeType="tmRoot"/>
+      </p:par>
+    </p:tnLst>
+  </p:timing>
+</p:sld>
+</file>
+
+<file path=ppt/slides/slide25.xml><?xml version="1.0" encoding="utf-8"?>
+<p:sld xmlns:a="http://schemas.openxmlformats.org/drawingml/2006/main" xmlns:r="http://schemas.openxmlformats.org/officeDocument/2006/relationships" xmlns:p="http://schemas.openxmlformats.org/presentationml/2006/main">
+  <p:cSld>
+    <p:spTree>
+      <p:nvGrpSpPr>
+        <p:cNvPr id="1" name=""/>
+        <p:cNvGrpSpPr/>
+        <p:nvPr/>
+      </p:nvGrpSpPr>
+      <p:grpSpPr>
+        <a:xfrm>
+          <a:off x="0" y="0"/>
+          <a:ext cx="0" cy="0"/>
+          <a:chOff x="0" y="0"/>
+          <a:chExt cx="0" cy="0"/>
+        </a:xfrm>
+      </p:grpSpPr>
+      <p:sp>
+        <p:nvSpPr>
+          <p:cNvPr id="3" name="Text Placeholder 2"/>
+          <p:cNvSpPr>
+            <a:spLocks noGrp="1"/>
+          </p:cNvSpPr>
+          <p:nvPr>
+            <p:ph type="body" sz="quarter" idx="16"/>
+          </p:nvPr>
+        </p:nvSpPr>
+        <p:spPr/>
+        <p:txBody>
+          <a:bodyPr/>
+          <a:lstStyle/>
+          <a:p>
+            <a:endParaRPr lang="en-US"/>
+          </a:p>
+        </p:txBody>
+      </p:sp>
+      <p:sp>
+        <p:nvSpPr>
+          <p:cNvPr id="7" name="Title 3"/>
+          <p:cNvSpPr>
+            <a:spLocks noGrp="1"/>
+          </p:cNvSpPr>
+          <p:nvPr>
+            <p:ph type="title"/>
+          </p:nvPr>
+        </p:nvSpPr>
+        <p:spPr>
+          <a:xfrm>
+            <a:off x="371722" y="224644"/>
+            <a:ext cx="6504533" cy="481336"/>
+          </a:xfrm>
+        </p:spPr>
+        <p:txBody>
+          <a:bodyPr/>
+          <a:lstStyle/>
+          <a:p>
+            <a:r>
+              <a:rPr lang="en-US" dirty="0" smtClean="0"/>
+              <a:t>Publications on big data</a:t>
+            </a:r>
+            <a:endParaRPr lang="en-US" dirty="0"/>
+          </a:p>
+        </p:txBody>
+      </p:sp>
+      <p:sp>
+        <p:nvSpPr>
+          <p:cNvPr id="16" name="Rectangle 15"/>
+          <p:cNvSpPr/>
+          <p:nvPr/>
+        </p:nvSpPr>
+        <p:spPr>
+          <a:xfrm>
+            <a:off x="358775" y="5292000"/>
+            <a:ext cx="8426449" cy="513488"/>
+          </a:xfrm>
+          <a:prstGeom prst="rect">
+            <a:avLst/>
+          </a:prstGeom>
+          <a:noFill/>
+        </p:spPr>
+        <p:style>
+          <a:lnRef idx="2">
+            <a:schemeClr val="accent1">
+              <a:shade val="50000"/>
+            </a:schemeClr>
+          </a:lnRef>
+          <a:fillRef idx="1">
+            <a:schemeClr val="accent1"/>
+          </a:fillRef>
+          <a:effectRef idx="0">
+            <a:schemeClr val="accent1"/>
+          </a:effectRef>
+          <a:fontRef idx="minor">
+            <a:schemeClr val="lt1"/>
+          </a:fontRef>
+        </p:style>
+        <p:txBody>
+          <a:bodyPr rtlCol="0" anchor="ctr"/>
+          <a:lstStyle/>
+          <a:p>
+            <a:pPr algn="ctr"/>
+            <a:endParaRPr lang="en-US"/>
+          </a:p>
+        </p:txBody>
+      </p:sp>
+      <p:grpSp>
+        <p:nvGrpSpPr>
+          <p:cNvPr id="17" name="Gruppieren 6"/>
+          <p:cNvGrpSpPr/>
+          <p:nvPr/>
+        </p:nvGrpSpPr>
+        <p:grpSpPr>
+          <a:xfrm>
+            <a:off x="359532" y="5301208"/>
+            <a:ext cx="495093" cy="495148"/>
+            <a:chOff x="4791456" y="4160520"/>
+            <a:chExt cx="658368" cy="658441"/>
+          </a:xfrm>
+        </p:grpSpPr>
+        <p:sp>
+          <p:nvSpPr>
+            <p:cNvPr id="18" name="Oval 37"/>
+            <p:cNvSpPr>
+              <a:spLocks noChangeAspect="1"/>
+            </p:cNvSpPr>
+            <p:nvPr/>
+          </p:nvSpPr>
+          <p:spPr>
+            <a:xfrm>
+              <a:off x="4791456" y="4160520"/>
+              <a:ext cx="658368" cy="658441"/>
+            </a:xfrm>
+            <a:prstGeom prst="ellipse">
+              <a:avLst/>
+            </a:prstGeom>
+            <a:solidFill>
+              <a:srgbClr val="852339"/>
+            </a:solidFill>
+            <a:ln>
+              <a:noFill/>
+            </a:ln>
+            <a:effectLst/>
+          </p:spPr>
+          <p:style>
+            <a:lnRef idx="1">
+              <a:schemeClr val="accent1"/>
+            </a:lnRef>
+            <a:fillRef idx="3">
+              <a:schemeClr val="accent1"/>
+            </a:fillRef>
+            <a:effectRef idx="2">
+              <a:schemeClr val="accent1"/>
+            </a:effectRef>
+            <a:fontRef idx="minor">
+              <a:schemeClr val="lt1"/>
+            </a:fontRef>
+          </p:style>
+          <p:txBody>
+            <a:bodyPr rtlCol="0" anchor="ctr"/>
+            <a:lstStyle/>
+            <a:p>
+              <a:pPr algn="ctr"/>
+              <a:endParaRPr lang="en-US"/>
+            </a:p>
+          </p:txBody>
+        </p:sp>
+        <p:pic>
+          <p:nvPicPr>
+            <p:cNvPr id="26" name="Grafik 8"/>
+            <p:cNvPicPr>
+              <a:picLocks noChangeAspect="1"/>
+            </p:cNvPicPr>
+            <p:nvPr/>
+          </p:nvPicPr>
+          <p:blipFill>
+            <a:blip r:embed="rId2">
+              <a:lum bright="45000"/>
+            </a:blip>
+            <a:stretch>
+              <a:fillRect/>
+            </a:stretch>
+          </p:blipFill>
+          <p:spPr>
+            <a:xfrm>
+              <a:off x="4864608" y="4232582"/>
+              <a:ext cx="510438" cy="514315"/>
+            </a:xfrm>
+            <a:prstGeom prst="rect">
+              <a:avLst/>
+            </a:prstGeom>
+          </p:spPr>
+        </p:pic>
+      </p:grpSp>
+      <p:sp>
+        <p:nvSpPr>
+          <p:cNvPr id="27" name="TextBox 26"/>
+          <p:cNvSpPr txBox="1"/>
+          <p:nvPr/>
+        </p:nvSpPr>
+        <p:spPr>
+          <a:xfrm>
+            <a:off x="935596" y="5292000"/>
+            <a:ext cx="7849628" cy="523220"/>
+          </a:xfrm>
+          <a:prstGeom prst="rect">
+            <a:avLst/>
+          </a:prstGeom>
+          <a:noFill/>
+        </p:spPr>
+        <p:txBody>
+          <a:bodyPr wrap="square" rtlCol="0">
+            <a:spAutoFit/>
+          </a:bodyPr>
+          <a:lstStyle/>
+          <a:p>
+            <a:r>
+              <a:rPr lang="de-DE" sz="1400" dirty="0" smtClean="0"/>
               <a:t>45 </a:t>
             </a:r>
             <a:r>
@@ -14271,62 +14682,6 @@
 </p:sld>
 </file>
 
-<file path=ppt/slides/slide25.xml><?xml version="1.0" encoding="utf-8"?>
-<p:sld xmlns:a="http://schemas.openxmlformats.org/drawingml/2006/main" xmlns:r="http://schemas.openxmlformats.org/officeDocument/2006/relationships" xmlns:p="http://schemas.openxmlformats.org/presentationml/2006/main">
-  <p:cSld>
-    <p:spTree>
-      <p:nvGrpSpPr>
-        <p:cNvPr id="1" name=""/>
-        <p:cNvGrpSpPr/>
-        <p:nvPr/>
-      </p:nvGrpSpPr>
-      <p:grpSpPr>
-        <a:xfrm>
-          <a:off x="0" y="0"/>
-          <a:ext cx="0" cy="0"/>
-          <a:chOff x="0" y="0"/>
-          <a:chExt cx="0" cy="0"/>
-        </a:xfrm>
-      </p:grpSpPr>
-      <p:sp>
-        <p:nvSpPr>
-          <p:cNvPr id="5" name="Textplatzhalter 4"/>
-          <p:cNvSpPr>
-            <a:spLocks noGrp="1"/>
-          </p:cNvSpPr>
-          <p:nvPr>
-            <p:ph type="body" sz="quarter" idx="13"/>
-          </p:nvPr>
-        </p:nvSpPr>
-        <p:spPr/>
-        <p:txBody>
-          <a:bodyPr/>
-          <a:lstStyle/>
-          <a:p>
-            <a:endParaRPr lang="de-DE"/>
-          </a:p>
-        </p:txBody>
-      </p:sp>
-    </p:spTree>
-    <p:extLst>
-      <p:ext uri="{BB962C8B-B14F-4D97-AF65-F5344CB8AC3E}">
-        <p14:creationId xmlns:p14="http://schemas.microsoft.com/office/powerpoint/2010/main" val="315070275"/>
-      </p:ext>
-    </p:extLst>
-  </p:cSld>
-  <p:clrMapOvr>
-    <a:masterClrMapping/>
-  </p:clrMapOvr>
-  <p:timing>
-    <p:tnLst>
-      <p:par>
-        <p:cTn id="1" dur="indefinite" restart="never" nodeType="tmRoot"/>
-      </p:par>
-    </p:tnLst>
-  </p:timing>
-</p:sld>
-</file>
-
 <file path=ppt/slides/slide26.xml><?xml version="1.0" encoding="utf-8"?>
 <p:sld xmlns:a="http://schemas.openxmlformats.org/drawingml/2006/main" xmlns:r="http://schemas.openxmlformats.org/officeDocument/2006/relationships" xmlns:p="http://schemas.openxmlformats.org/presentationml/2006/main">
   <p:cSld>
@@ -14346,12 +14701,12 @@
       </p:grpSpPr>
       <p:sp>
         <p:nvSpPr>
-          <p:cNvPr id="3" name="Text Placeholder 2"/>
+          <p:cNvPr id="5" name="Textplatzhalter 4"/>
           <p:cNvSpPr>
             <a:spLocks noGrp="1"/>
           </p:cNvSpPr>
           <p:nvPr>
-            <p:ph type="body" sz="quarter" idx="16"/>
+            <p:ph type="body" sz="quarter" idx="13"/>
           </p:nvPr>
         </p:nvSpPr>
         <p:spPr/>
@@ -14359,396 +14714,14 @@
           <a:bodyPr/>
           <a:lstStyle/>
           <a:p>
-            <a:endParaRPr lang="en-US"/>
-          </a:p>
-        </p:txBody>
-      </p:sp>
-      <p:sp>
-        <p:nvSpPr>
-          <p:cNvPr id="4" name="Title 3"/>
-          <p:cNvSpPr>
-            <a:spLocks noGrp="1"/>
-          </p:cNvSpPr>
-          <p:nvPr>
-            <p:ph type="title"/>
-          </p:nvPr>
-        </p:nvSpPr>
-        <p:spPr/>
-        <p:txBody>
-          <a:bodyPr/>
-          <a:lstStyle/>
-          <a:p>
-            <a:r>
-              <a:rPr lang="en-US" smtClean="0"/>
-              <a:t>References</a:t>
-            </a:r>
-            <a:endParaRPr lang="en-US"/>
-          </a:p>
-        </p:txBody>
-      </p:sp>
-      <p:sp>
-        <p:nvSpPr>
-          <p:cNvPr id="2" name="TextBox 1"/>
-          <p:cNvSpPr txBox="1"/>
-          <p:nvPr/>
-        </p:nvSpPr>
-        <p:spPr>
-          <a:xfrm>
-            <a:off x="377825" y="1520825"/>
-            <a:ext cx="8118611" cy="4616648"/>
-          </a:xfrm>
-          <a:prstGeom prst="rect">
-            <a:avLst/>
-          </a:prstGeom>
-          <a:noFill/>
-        </p:spPr>
-        <p:txBody>
-          <a:bodyPr wrap="square" rtlCol="0">
-            <a:spAutoFit/>
-          </a:bodyPr>
-          <a:lstStyle/>
-          <a:p>
-            <a:pPr marL="285750" indent="-285750">
-              <a:buFont typeface="Arial" charset="0"/>
-              <a:buChar char="•"/>
-            </a:pPr>
-            <a:r>
-              <a:rPr lang="en-US" sz="1400" dirty="0"/>
-              <a:t>Hansen, C. H., &amp; </a:t>
-            </a:r>
-            <a:r>
-              <a:rPr lang="en-US" sz="1400" dirty="0" err="1"/>
-              <a:t>Sehrndt</a:t>
-            </a:r>
-            <a:r>
-              <a:rPr lang="en-US" sz="1400" dirty="0"/>
-              <a:t>, C. H. (2001). Fundamentals of acoustics</a:t>
-            </a:r>
-            <a:r>
-              <a:rPr lang="en-US" sz="1400" dirty="0" smtClean="0"/>
-              <a:t>. </a:t>
-            </a:r>
-            <a:r>
-              <a:rPr lang="en-US" sz="1400" i="1" dirty="0" smtClean="0"/>
-              <a:t>Occupational </a:t>
-            </a:r>
-            <a:r>
-              <a:rPr lang="en-US" sz="1400" i="1" dirty="0"/>
-              <a:t>Exposure to Noise: Evaluation, Prevention and Control. World Health Organization</a:t>
-            </a:r>
-            <a:r>
-              <a:rPr lang="en-US" sz="1400" dirty="0" smtClean="0"/>
-              <a:t>.</a:t>
-            </a:r>
-          </a:p>
-          <a:p>
-            <a:pPr marL="285750" indent="-285750">
-              <a:buFont typeface="Arial" charset="0"/>
-              <a:buChar char="•"/>
-            </a:pPr>
-            <a:r>
-              <a:rPr lang="en-US" sz="1400" dirty="0">
-                <a:hlinkClick r:id="rId2"/>
-              </a:rPr>
-              <a:t>http://cmc.music.columbia.edu/musicandcomputers</a:t>
-            </a:r>
-            <a:r>
-              <a:rPr lang="en-US" sz="1400" dirty="0" smtClean="0">
-                <a:hlinkClick r:id="rId2"/>
-              </a:rPr>
-              <a:t>/</a:t>
-            </a:r>
-            <a:r>
-              <a:rPr lang="en-US" sz="1400" dirty="0" smtClean="0"/>
-              <a:t>, last visited 21.10.2016</a:t>
-            </a:r>
-          </a:p>
-          <a:p>
-            <a:pPr marL="285750" indent="-285750">
-              <a:buFont typeface="Arial" charset="0"/>
-              <a:buChar char="•"/>
-            </a:pPr>
-            <a:r>
-              <a:rPr lang="en-US" sz="1400" dirty="0"/>
-              <a:t>James, J. F. (2011). </a:t>
-            </a:r>
-            <a:r>
-              <a:rPr lang="en-US" sz="1400" i="1" dirty="0"/>
-              <a:t>A student's guide to Fourier transforms: with applications in physics and engineering</a:t>
-            </a:r>
-            <a:r>
-              <a:rPr lang="en-US" sz="1400" dirty="0"/>
-              <a:t>. Cambridge university press</a:t>
-            </a:r>
-            <a:r>
-              <a:rPr lang="en-US" sz="1400" dirty="0" smtClean="0"/>
-              <a:t>.</a:t>
-            </a:r>
-          </a:p>
-          <a:p>
-            <a:pPr marL="285750" indent="-285750">
-              <a:buFont typeface="Arial" charset="0"/>
-              <a:buChar char="•"/>
-            </a:pPr>
-            <a:r>
-              <a:rPr lang="en-US" sz="1400" dirty="0">
-                <a:hlinkClick r:id="rId3"/>
-              </a:rPr>
-              <a:t>http://www.di.fc.ul.pt/~</a:t>
-            </a:r>
-            <a:r>
-              <a:rPr lang="en-US" sz="1400" dirty="0" smtClean="0">
-                <a:hlinkClick r:id="rId3"/>
-              </a:rPr>
-              <a:t>jpn/r/fourier/fourier.html</a:t>
-            </a:r>
-            <a:r>
-              <a:rPr lang="en-US" sz="1400" dirty="0"/>
-              <a:t>, last visited 21.10.2016</a:t>
-            </a:r>
-            <a:endParaRPr lang="en-US" sz="1400" dirty="0" smtClean="0"/>
-          </a:p>
-          <a:p>
-            <a:pPr marL="285750" indent="-285750">
-              <a:buFont typeface="Arial" charset="0"/>
-              <a:buChar char="•"/>
-            </a:pPr>
-            <a:r>
-              <a:rPr lang="en-US" sz="1400" dirty="0">
-                <a:hlinkClick r:id="rId4"/>
-              </a:rPr>
-              <a:t>http://</a:t>
-            </a:r>
-            <a:r>
-              <a:rPr lang="en-US" sz="1400" dirty="0" smtClean="0">
-                <a:hlinkClick r:id="rId4"/>
-              </a:rPr>
-              <a:t>www.abstractnew.com/2014/04/the-fast-fourier-transform-fft-without.html</a:t>
-            </a:r>
-            <a:r>
-              <a:rPr lang="en-US" sz="1400" dirty="0"/>
-              <a:t>, last visited 21.10.2016</a:t>
-            </a:r>
-            <a:endParaRPr lang="en-US" sz="1400" dirty="0" smtClean="0"/>
-          </a:p>
-          <a:p>
-            <a:pPr marL="285750" indent="-285750">
-              <a:buFont typeface="Arial" charset="0"/>
-              <a:buChar char="•"/>
-            </a:pPr>
-            <a:r>
-              <a:rPr lang="en-US" sz="1400" dirty="0"/>
-              <a:t>Robinson, D. W., &amp; </a:t>
-            </a:r>
-            <a:r>
-              <a:rPr lang="en-US" sz="1400" dirty="0" err="1"/>
-              <a:t>Dadson</a:t>
-            </a:r>
-            <a:r>
-              <a:rPr lang="en-US" sz="1400" dirty="0"/>
-              <a:t>, R. S. (1956). A re-determination of the equal-loudness relations for pure tones. </a:t>
-            </a:r>
-            <a:r>
-              <a:rPr lang="en-US" sz="1400" i="1" dirty="0"/>
-              <a:t>British Journal of Applied Physics</a:t>
-            </a:r>
-            <a:r>
-              <a:rPr lang="en-US" sz="1400" dirty="0"/>
-              <a:t>, </a:t>
-            </a:r>
-            <a:r>
-              <a:rPr lang="en-US" sz="1400" i="1" dirty="0"/>
-              <a:t>7</a:t>
-            </a:r>
-            <a:r>
-              <a:rPr lang="en-US" sz="1400" dirty="0"/>
-              <a:t>(5), 166</a:t>
-            </a:r>
-            <a:r>
-              <a:rPr lang="en-US" sz="1400" dirty="0" smtClean="0"/>
-              <a:t>.</a:t>
-            </a:r>
-          </a:p>
-          <a:p>
-            <a:pPr marL="285750" indent="-285750">
-              <a:buFont typeface="Arial" charset="0"/>
-              <a:buChar char="•"/>
-            </a:pPr>
-            <a:r>
-              <a:rPr lang="en-US" sz="1400" dirty="0">
-                <a:hlinkClick r:id="rId5"/>
-              </a:rPr>
-              <a:t>http://www.diracdelta.co.uk/science/source/e/q/equal%20loudness%20contour/source.html#.</a:t>
-            </a:r>
-            <a:r>
-              <a:rPr lang="en-US" sz="1400" dirty="0" smtClean="0">
-                <a:hlinkClick r:id="rId5"/>
-              </a:rPr>
-              <a:t>WADCgpN940p</a:t>
-            </a:r>
-            <a:r>
-              <a:rPr lang="en-US" sz="1400" dirty="0"/>
-              <a:t>, last visited 21.10.2016</a:t>
-            </a:r>
-            <a:endParaRPr lang="en-US" sz="1400" dirty="0" smtClean="0"/>
-          </a:p>
-          <a:p>
-            <a:pPr marL="285750" indent="-285750">
-              <a:buFont typeface="Arial" charset="0"/>
-              <a:buChar char="•"/>
-            </a:pPr>
-            <a:r>
-              <a:rPr lang="en-US" sz="1400" dirty="0">
-                <a:hlinkClick r:id="rId6"/>
-              </a:rPr>
-              <a:t>https://developer.spotify.com/web-api/get-audio-features</a:t>
-            </a:r>
-            <a:r>
-              <a:rPr lang="en-US" sz="1400" dirty="0" smtClean="0">
-                <a:hlinkClick r:id="rId6"/>
-              </a:rPr>
-              <a:t>/</a:t>
-            </a:r>
-            <a:r>
-              <a:rPr lang="en-US" sz="1400" dirty="0"/>
-              <a:t>, last visited 21.10.2016</a:t>
-            </a:r>
-            <a:endParaRPr lang="en-US" sz="1400" dirty="0" smtClean="0"/>
-          </a:p>
-          <a:p>
-            <a:pPr marL="285750" indent="-285750">
-              <a:buFont typeface="Arial" charset="0"/>
-              <a:buChar char="•"/>
-            </a:pPr>
-            <a:r>
-              <a:rPr lang="en-US" sz="1400" dirty="0" err="1" smtClean="0"/>
-              <a:t>Peeters</a:t>
-            </a:r>
-            <a:r>
-              <a:rPr lang="en-US" sz="1400" dirty="0" smtClean="0"/>
-              <a:t>, G. (2004). A large set of audio features for sound description (similarity and classification) in the CUIDADO project</a:t>
-            </a:r>
-          </a:p>
-          <a:p>
-            <a:pPr marL="285750" indent="-285750">
-              <a:buFont typeface="Arial" charset="0"/>
-              <a:buChar char="•"/>
-            </a:pPr>
-            <a:r>
-              <a:rPr lang="en-US" sz="1400" dirty="0">
-                <a:hlinkClick r:id="rId7"/>
-              </a:rPr>
-              <a:t>https://</a:t>
-            </a:r>
-            <a:r>
-              <a:rPr lang="en-US" sz="1400" dirty="0" smtClean="0">
-                <a:hlinkClick r:id="rId7"/>
-              </a:rPr>
-              <a:t>www.dsprelated.com/showcode/174.php</a:t>
-            </a:r>
-            <a:r>
-              <a:rPr lang="en-US" sz="1400" dirty="0"/>
-              <a:t>, last visited 21.10.2016</a:t>
-            </a:r>
-            <a:endParaRPr lang="en-US" sz="1400" dirty="0" smtClean="0"/>
-          </a:p>
-          <a:p>
-            <a:pPr marL="285750" indent="-285750">
-              <a:buFont typeface="Arial" charset="0"/>
-              <a:buChar char="•"/>
-            </a:pPr>
-            <a:r>
-              <a:rPr lang="en-US" sz="1400" dirty="0">
-                <a:hlinkClick r:id="rId8"/>
-              </a:rPr>
-              <a:t>http://</a:t>
-            </a:r>
-            <a:r>
-              <a:rPr lang="en-US" sz="1400" dirty="0" smtClean="0">
-                <a:hlinkClick r:id="rId8"/>
-              </a:rPr>
-              <a:t>nlp.stanford.edu/sentiment/</a:t>
-            </a:r>
-            <a:r>
-              <a:rPr lang="en-US" sz="1400" dirty="0"/>
-              <a:t>, last visited 21.10.2016</a:t>
-            </a:r>
-          </a:p>
-          <a:p>
-            <a:pPr marL="285750" indent="-285750">
-              <a:buFont typeface="Arial" charset="0"/>
-              <a:buChar char="•"/>
-            </a:pPr>
-            <a:r>
-              <a:rPr lang="en-US" sz="1400" dirty="0"/>
-              <a:t>Pandya, R., &amp; Pathak, K. (2014). Survey on Noise Estimation and Removal Methods through SVM. </a:t>
-            </a:r>
-            <a:r>
-              <a:rPr lang="en-US" sz="1400" i="1" dirty="0"/>
-              <a:t>International Journal of Computer Applications</a:t>
-            </a:r>
-            <a:r>
-              <a:rPr lang="en-US" sz="1400" dirty="0"/>
-              <a:t>, </a:t>
-            </a:r>
-            <a:r>
-              <a:rPr lang="en-US" sz="1400" i="1" dirty="0"/>
-              <a:t>86</a:t>
-            </a:r>
-            <a:r>
-              <a:rPr lang="en-US" sz="1400" dirty="0"/>
-              <a:t>(9).</a:t>
-            </a:r>
-            <a:endParaRPr lang="en-US" sz="1400" dirty="0" smtClean="0"/>
-          </a:p>
-          <a:p>
-            <a:pPr marL="285750" indent="-285750">
-              <a:buFont typeface="Arial" charset="0"/>
-              <a:buChar char="•"/>
-            </a:pPr>
-            <a:r>
-              <a:rPr lang="en-US" sz="1400" dirty="0" err="1" smtClean="0"/>
-              <a:t>Kamruzzaman</a:t>
-            </a:r>
-            <a:r>
-              <a:rPr lang="en-US" sz="1400" dirty="0"/>
-              <a:t>, S. M., Karim, A. N. M., Islam, M., &amp; </a:t>
-            </a:r>
-            <a:r>
-              <a:rPr lang="en-US" sz="1400" dirty="0" err="1"/>
-              <a:t>Haque</a:t>
-            </a:r>
-            <a:r>
-              <a:rPr lang="en-US" sz="1400" dirty="0"/>
-              <a:t>, M. (2010). Speaker identification using </a:t>
-            </a:r>
-            <a:r>
-              <a:rPr lang="en-US" sz="1400" dirty="0" err="1"/>
-              <a:t>mfcc</a:t>
-            </a:r>
-            <a:r>
-              <a:rPr lang="en-US" sz="1400" dirty="0"/>
-              <a:t>-domain support vector machine. </a:t>
-            </a:r>
-            <a:r>
-              <a:rPr lang="en-US" sz="1400" i="1" dirty="0" err="1"/>
-              <a:t>arXiv</a:t>
-            </a:r>
-            <a:r>
-              <a:rPr lang="en-US" sz="1400" i="1" dirty="0"/>
-              <a:t> preprint arXiv:1009.4972</a:t>
-            </a:r>
-            <a:r>
-              <a:rPr lang="en-US" sz="1400" dirty="0"/>
-              <a:t>.</a:t>
-            </a:r>
+            <a:endParaRPr lang="de-DE"/>
           </a:p>
         </p:txBody>
       </p:sp>
     </p:spTree>
     <p:extLst>
       <p:ext uri="{BB962C8B-B14F-4D97-AF65-F5344CB8AC3E}">
-        <p14:creationId xmlns:p14="http://schemas.microsoft.com/office/powerpoint/2010/main" val="76146871"/>
+        <p14:creationId xmlns:p14="http://schemas.microsoft.com/office/powerpoint/2010/main" val="315070275"/>
       </p:ext>
     </p:extLst>
   </p:cSld>
@@ -14784,6 +14757,444 @@
       </p:grpSpPr>
       <p:sp>
         <p:nvSpPr>
+          <p:cNvPr id="3" name="Text Placeholder 2"/>
+          <p:cNvSpPr>
+            <a:spLocks noGrp="1"/>
+          </p:cNvSpPr>
+          <p:nvPr>
+            <p:ph type="body" sz="quarter" idx="16"/>
+          </p:nvPr>
+        </p:nvSpPr>
+        <p:spPr/>
+        <p:txBody>
+          <a:bodyPr/>
+          <a:lstStyle/>
+          <a:p>
+            <a:endParaRPr lang="en-US"/>
+          </a:p>
+        </p:txBody>
+      </p:sp>
+      <p:sp>
+        <p:nvSpPr>
+          <p:cNvPr id="4" name="Title 3"/>
+          <p:cNvSpPr>
+            <a:spLocks noGrp="1"/>
+          </p:cNvSpPr>
+          <p:nvPr>
+            <p:ph type="title"/>
+          </p:nvPr>
+        </p:nvSpPr>
+        <p:spPr/>
+        <p:txBody>
+          <a:bodyPr/>
+          <a:lstStyle/>
+          <a:p>
+            <a:r>
+              <a:rPr lang="en-US" smtClean="0"/>
+              <a:t>References</a:t>
+            </a:r>
+            <a:endParaRPr lang="en-US"/>
+          </a:p>
+        </p:txBody>
+      </p:sp>
+      <p:sp>
+        <p:nvSpPr>
+          <p:cNvPr id="2" name="TextBox 1"/>
+          <p:cNvSpPr txBox="1"/>
+          <p:nvPr/>
+        </p:nvSpPr>
+        <p:spPr>
+          <a:xfrm>
+            <a:off x="377825" y="1520825"/>
+            <a:ext cx="8118611" cy="4616648"/>
+          </a:xfrm>
+          <a:prstGeom prst="rect">
+            <a:avLst/>
+          </a:prstGeom>
+          <a:noFill/>
+        </p:spPr>
+        <p:txBody>
+          <a:bodyPr wrap="square" rtlCol="0">
+            <a:spAutoFit/>
+          </a:bodyPr>
+          <a:lstStyle/>
+          <a:p>
+            <a:pPr marL="285750" indent="-285750">
+              <a:buFont typeface="Arial" charset="0"/>
+              <a:buChar char="•"/>
+            </a:pPr>
+            <a:r>
+              <a:rPr lang="en-US" sz="1400" dirty="0"/>
+              <a:t>Hansen, C. H., &amp; </a:t>
+            </a:r>
+            <a:r>
+              <a:rPr lang="en-US" sz="1400" dirty="0" err="1"/>
+              <a:t>Sehrndt</a:t>
+            </a:r>
+            <a:r>
+              <a:rPr lang="en-US" sz="1400" dirty="0"/>
+              <a:t>, C. H. (2001). Fundamentals of acoustics</a:t>
+            </a:r>
+            <a:r>
+              <a:rPr lang="en-US" sz="1400" dirty="0" smtClean="0"/>
+              <a:t>. </a:t>
+            </a:r>
+            <a:r>
+              <a:rPr lang="en-US" sz="1400" i="1" dirty="0" smtClean="0"/>
+              <a:t>Occupational </a:t>
+            </a:r>
+            <a:r>
+              <a:rPr lang="en-US" sz="1400" i="1" dirty="0"/>
+              <a:t>Exposure to Noise: Evaluation, Prevention and Control. World Health Organization</a:t>
+            </a:r>
+            <a:r>
+              <a:rPr lang="en-US" sz="1400" dirty="0" smtClean="0"/>
+              <a:t>.</a:t>
+            </a:r>
+          </a:p>
+          <a:p>
+            <a:pPr marL="285750" indent="-285750">
+              <a:buFont typeface="Arial" charset="0"/>
+              <a:buChar char="•"/>
+            </a:pPr>
+            <a:r>
+              <a:rPr lang="en-US" sz="1400" dirty="0">
+                <a:hlinkClick r:id="rId2"/>
+              </a:rPr>
+              <a:t>http://cmc.music.columbia.edu/musicandcomputers</a:t>
+            </a:r>
+            <a:r>
+              <a:rPr lang="en-US" sz="1400" dirty="0" smtClean="0">
+                <a:hlinkClick r:id="rId2"/>
+              </a:rPr>
+              <a:t>/</a:t>
+            </a:r>
+            <a:r>
+              <a:rPr lang="en-US" sz="1400" dirty="0" smtClean="0"/>
+              <a:t>, last visited 21.10.2016</a:t>
+            </a:r>
+          </a:p>
+          <a:p>
+            <a:pPr marL="285750" indent="-285750">
+              <a:buFont typeface="Arial" charset="0"/>
+              <a:buChar char="•"/>
+            </a:pPr>
+            <a:r>
+              <a:rPr lang="en-US" sz="1400" dirty="0"/>
+              <a:t>James, J. F. (2011). </a:t>
+            </a:r>
+            <a:r>
+              <a:rPr lang="en-US" sz="1400" i="1" dirty="0"/>
+              <a:t>A student's guide to Fourier transforms: with applications in physics and engineering</a:t>
+            </a:r>
+            <a:r>
+              <a:rPr lang="en-US" sz="1400" dirty="0"/>
+              <a:t>. Cambridge university press</a:t>
+            </a:r>
+            <a:r>
+              <a:rPr lang="en-US" sz="1400" dirty="0" smtClean="0"/>
+              <a:t>.</a:t>
+            </a:r>
+          </a:p>
+          <a:p>
+            <a:pPr marL="285750" indent="-285750">
+              <a:buFont typeface="Arial" charset="0"/>
+              <a:buChar char="•"/>
+            </a:pPr>
+            <a:r>
+              <a:rPr lang="en-US" sz="1400" dirty="0">
+                <a:hlinkClick r:id="rId3"/>
+              </a:rPr>
+              <a:t>http://www.di.fc.ul.pt/~</a:t>
+            </a:r>
+            <a:r>
+              <a:rPr lang="en-US" sz="1400" dirty="0" smtClean="0">
+                <a:hlinkClick r:id="rId3"/>
+              </a:rPr>
+              <a:t>jpn/r/fourier/fourier.html</a:t>
+            </a:r>
+            <a:r>
+              <a:rPr lang="en-US" sz="1400" dirty="0"/>
+              <a:t>, last visited 21.10.2016</a:t>
+            </a:r>
+            <a:endParaRPr lang="en-US" sz="1400" dirty="0" smtClean="0"/>
+          </a:p>
+          <a:p>
+            <a:pPr marL="285750" indent="-285750">
+              <a:buFont typeface="Arial" charset="0"/>
+              <a:buChar char="•"/>
+            </a:pPr>
+            <a:r>
+              <a:rPr lang="en-US" sz="1400" dirty="0">
+                <a:hlinkClick r:id="rId4"/>
+              </a:rPr>
+              <a:t>http://</a:t>
+            </a:r>
+            <a:r>
+              <a:rPr lang="en-US" sz="1400" dirty="0" smtClean="0">
+                <a:hlinkClick r:id="rId4"/>
+              </a:rPr>
+              <a:t>www.abstractnew.com/2014/04/the-fast-fourier-transform-fft-without.html</a:t>
+            </a:r>
+            <a:r>
+              <a:rPr lang="en-US" sz="1400" dirty="0"/>
+              <a:t>, last visited 21.10.2016</a:t>
+            </a:r>
+            <a:endParaRPr lang="en-US" sz="1400" dirty="0" smtClean="0"/>
+          </a:p>
+          <a:p>
+            <a:pPr marL="285750" indent="-285750">
+              <a:buFont typeface="Arial" charset="0"/>
+              <a:buChar char="•"/>
+            </a:pPr>
+            <a:r>
+              <a:rPr lang="en-US" sz="1400" dirty="0"/>
+              <a:t>Robinson, D. W., &amp; </a:t>
+            </a:r>
+            <a:r>
+              <a:rPr lang="en-US" sz="1400" dirty="0" err="1"/>
+              <a:t>Dadson</a:t>
+            </a:r>
+            <a:r>
+              <a:rPr lang="en-US" sz="1400" dirty="0"/>
+              <a:t>, R. S. (1956). A re-determination of the equal-loudness relations for pure tones. </a:t>
+            </a:r>
+            <a:r>
+              <a:rPr lang="en-US" sz="1400" i="1" dirty="0"/>
+              <a:t>British Journal of Applied Physics</a:t>
+            </a:r>
+            <a:r>
+              <a:rPr lang="en-US" sz="1400" dirty="0"/>
+              <a:t>, </a:t>
+            </a:r>
+            <a:r>
+              <a:rPr lang="en-US" sz="1400" i="1" dirty="0"/>
+              <a:t>7</a:t>
+            </a:r>
+            <a:r>
+              <a:rPr lang="en-US" sz="1400" dirty="0"/>
+              <a:t>(5), 166</a:t>
+            </a:r>
+            <a:r>
+              <a:rPr lang="en-US" sz="1400" dirty="0" smtClean="0"/>
+              <a:t>.</a:t>
+            </a:r>
+          </a:p>
+          <a:p>
+            <a:pPr marL="285750" indent="-285750">
+              <a:buFont typeface="Arial" charset="0"/>
+              <a:buChar char="•"/>
+            </a:pPr>
+            <a:r>
+              <a:rPr lang="en-US" sz="1400" dirty="0">
+                <a:hlinkClick r:id="rId5"/>
+              </a:rPr>
+              <a:t>http://www.diracdelta.co.uk/science/source/e/q/equal%20loudness%20contour/source.html#.</a:t>
+            </a:r>
+            <a:r>
+              <a:rPr lang="en-US" sz="1400" dirty="0" smtClean="0">
+                <a:hlinkClick r:id="rId5"/>
+              </a:rPr>
+              <a:t>WADCgpN940p</a:t>
+            </a:r>
+            <a:r>
+              <a:rPr lang="en-US" sz="1400" dirty="0"/>
+              <a:t>, last visited 21.10.2016</a:t>
+            </a:r>
+            <a:endParaRPr lang="en-US" sz="1400" dirty="0" smtClean="0"/>
+          </a:p>
+          <a:p>
+            <a:pPr marL="285750" indent="-285750">
+              <a:buFont typeface="Arial" charset="0"/>
+              <a:buChar char="•"/>
+            </a:pPr>
+            <a:r>
+              <a:rPr lang="en-US" sz="1400" dirty="0">
+                <a:hlinkClick r:id="rId6"/>
+              </a:rPr>
+              <a:t>https://developer.spotify.com/web-api/get-audio-features</a:t>
+            </a:r>
+            <a:r>
+              <a:rPr lang="en-US" sz="1400" dirty="0" smtClean="0">
+                <a:hlinkClick r:id="rId6"/>
+              </a:rPr>
+              <a:t>/</a:t>
+            </a:r>
+            <a:r>
+              <a:rPr lang="en-US" sz="1400" dirty="0"/>
+              <a:t>, last visited 21.10.2016</a:t>
+            </a:r>
+            <a:endParaRPr lang="en-US" sz="1400" dirty="0" smtClean="0"/>
+          </a:p>
+          <a:p>
+            <a:pPr marL="285750" indent="-285750">
+              <a:buFont typeface="Arial" charset="0"/>
+              <a:buChar char="•"/>
+            </a:pPr>
+            <a:r>
+              <a:rPr lang="en-US" sz="1400" dirty="0" err="1" smtClean="0"/>
+              <a:t>Peeters</a:t>
+            </a:r>
+            <a:r>
+              <a:rPr lang="en-US" sz="1400" dirty="0" smtClean="0"/>
+              <a:t>, G. (2004). A large set of audio features for sound description (similarity and classification) in the CUIDADO project</a:t>
+            </a:r>
+          </a:p>
+          <a:p>
+            <a:pPr marL="285750" indent="-285750">
+              <a:buFont typeface="Arial" charset="0"/>
+              <a:buChar char="•"/>
+            </a:pPr>
+            <a:r>
+              <a:rPr lang="en-US" sz="1400" dirty="0">
+                <a:hlinkClick r:id="rId7"/>
+              </a:rPr>
+              <a:t>https://</a:t>
+            </a:r>
+            <a:r>
+              <a:rPr lang="en-US" sz="1400" dirty="0" smtClean="0">
+                <a:hlinkClick r:id="rId7"/>
+              </a:rPr>
+              <a:t>www.dsprelated.com/showcode/174.php</a:t>
+            </a:r>
+            <a:r>
+              <a:rPr lang="en-US" sz="1400" dirty="0"/>
+              <a:t>, last visited 21.10.2016</a:t>
+            </a:r>
+            <a:endParaRPr lang="en-US" sz="1400" dirty="0" smtClean="0"/>
+          </a:p>
+          <a:p>
+            <a:pPr marL="285750" indent="-285750">
+              <a:buFont typeface="Arial" charset="0"/>
+              <a:buChar char="•"/>
+            </a:pPr>
+            <a:r>
+              <a:rPr lang="en-US" sz="1400" dirty="0">
+                <a:hlinkClick r:id="rId8"/>
+              </a:rPr>
+              <a:t>http://</a:t>
+            </a:r>
+            <a:r>
+              <a:rPr lang="en-US" sz="1400" dirty="0" smtClean="0">
+                <a:hlinkClick r:id="rId8"/>
+              </a:rPr>
+              <a:t>nlp.stanford.edu/sentiment/</a:t>
+            </a:r>
+            <a:r>
+              <a:rPr lang="en-US" sz="1400" dirty="0"/>
+              <a:t>, last visited 21.10.2016</a:t>
+            </a:r>
+          </a:p>
+          <a:p>
+            <a:pPr marL="285750" indent="-285750">
+              <a:buFont typeface="Arial" charset="0"/>
+              <a:buChar char="•"/>
+            </a:pPr>
+            <a:r>
+              <a:rPr lang="en-US" sz="1400" dirty="0"/>
+              <a:t>Pandya, R., &amp; Pathak, K. (2014). Survey on Noise Estimation and Removal Methods through SVM. </a:t>
+            </a:r>
+            <a:r>
+              <a:rPr lang="en-US" sz="1400" i="1" dirty="0"/>
+              <a:t>International Journal of Computer Applications</a:t>
+            </a:r>
+            <a:r>
+              <a:rPr lang="en-US" sz="1400" dirty="0"/>
+              <a:t>, </a:t>
+            </a:r>
+            <a:r>
+              <a:rPr lang="en-US" sz="1400" i="1" dirty="0"/>
+              <a:t>86</a:t>
+            </a:r>
+            <a:r>
+              <a:rPr lang="en-US" sz="1400" dirty="0"/>
+              <a:t>(9).</a:t>
+            </a:r>
+            <a:endParaRPr lang="en-US" sz="1400" dirty="0" smtClean="0"/>
+          </a:p>
+          <a:p>
+            <a:pPr marL="285750" indent="-285750">
+              <a:buFont typeface="Arial" charset="0"/>
+              <a:buChar char="•"/>
+            </a:pPr>
+            <a:r>
+              <a:rPr lang="en-US" sz="1400" dirty="0" err="1" smtClean="0"/>
+              <a:t>Kamruzzaman</a:t>
+            </a:r>
+            <a:r>
+              <a:rPr lang="en-US" sz="1400" dirty="0"/>
+              <a:t>, S. M., Karim, A. N. M., Islam, M., &amp; </a:t>
+            </a:r>
+            <a:r>
+              <a:rPr lang="en-US" sz="1400" dirty="0" err="1"/>
+              <a:t>Haque</a:t>
+            </a:r>
+            <a:r>
+              <a:rPr lang="en-US" sz="1400" dirty="0"/>
+              <a:t>, M. (2010). Speaker identification using </a:t>
+            </a:r>
+            <a:r>
+              <a:rPr lang="en-US" sz="1400" dirty="0" err="1"/>
+              <a:t>mfcc</a:t>
+            </a:r>
+            <a:r>
+              <a:rPr lang="en-US" sz="1400" dirty="0"/>
+              <a:t>-domain support vector machine. </a:t>
+            </a:r>
+            <a:r>
+              <a:rPr lang="en-US" sz="1400" i="1" dirty="0" err="1"/>
+              <a:t>arXiv</a:t>
+            </a:r>
+            <a:r>
+              <a:rPr lang="en-US" sz="1400" i="1" dirty="0"/>
+              <a:t> preprint arXiv:1009.4972</a:t>
+            </a:r>
+            <a:r>
+              <a:rPr lang="en-US" sz="1400" dirty="0"/>
+              <a:t>.</a:t>
+            </a:r>
+          </a:p>
+        </p:txBody>
+      </p:sp>
+    </p:spTree>
+    <p:extLst>
+      <p:ext uri="{BB962C8B-B14F-4D97-AF65-F5344CB8AC3E}">
+        <p14:creationId xmlns:p14="http://schemas.microsoft.com/office/powerpoint/2010/main" val="76146871"/>
+      </p:ext>
+    </p:extLst>
+  </p:cSld>
+  <p:clrMapOvr>
+    <a:masterClrMapping/>
+  </p:clrMapOvr>
+  <p:timing>
+    <p:tnLst>
+      <p:par>
+        <p:cTn id="1" dur="indefinite" restart="never" nodeType="tmRoot"/>
+      </p:par>
+    </p:tnLst>
+  </p:timing>
+</p:sld>
+</file>
+
+<file path=ppt/slides/slide28.xml><?xml version="1.0" encoding="utf-8"?>
+<p:sld xmlns:a="http://schemas.openxmlformats.org/drawingml/2006/main" xmlns:r="http://schemas.openxmlformats.org/officeDocument/2006/relationships" xmlns:p="http://schemas.openxmlformats.org/presentationml/2006/main">
+  <p:cSld>
+    <p:spTree>
+      <p:nvGrpSpPr>
+        <p:cNvPr id="1" name=""/>
+        <p:cNvGrpSpPr/>
+        <p:nvPr/>
+      </p:nvGrpSpPr>
+      <p:grpSpPr>
+        <a:xfrm>
+          <a:off x="0" y="0"/>
+          <a:ext cx="0" cy="0"/>
+          <a:chOff x="0" y="0"/>
+          <a:chExt cx="0" cy="0"/>
+        </a:xfrm>
+      </p:grpSpPr>
+      <p:sp>
+        <p:nvSpPr>
           <p:cNvPr id="3" name="Textplatzhalter 2"/>
           <p:cNvSpPr>
             <a:spLocks noGrp="1"/>
@@ -16036,7 +16447,7 @@
 </p:sld>
 </file>
 
-<file path=ppt/slides/slide28.xml><?xml version="1.0" encoding="utf-8"?>
+<file path=ppt/slides/slide29.xml><?xml version="1.0" encoding="utf-8"?>
 <p:sld xmlns:a="http://schemas.openxmlformats.org/drawingml/2006/main" xmlns:r="http://schemas.openxmlformats.org/officeDocument/2006/relationships" xmlns:p="http://schemas.openxmlformats.org/presentationml/2006/main">
   <p:cSld>
     <p:spTree>

--- a/Presentation/Data cleaning and inspection.pptx
+++ b/Presentation/Data cleaning and inspection.pptx
@@ -915,11 +915,11 @@
         </c:dLbls>
         <c:gapWidth val="150"/>
         <c:overlap val="100"/>
-        <c:axId val="602775904"/>
-        <c:axId val="602777080"/>
+        <c:axId val="593871624"/>
+        <c:axId val="593870840"/>
       </c:barChart>
       <c:catAx>
-        <c:axId val="602775904"/>
+        <c:axId val="593871624"/>
         <c:scaling>
           <c:orientation val="minMax"/>
         </c:scaling>
@@ -959,7 +959,7 @@
             <a:endParaRPr lang="en-US"/>
           </a:p>
         </c:txPr>
-        <c:crossAx val="602777080"/>
+        <c:crossAx val="593870840"/>
         <c:crosses val="autoZero"/>
         <c:auto val="1"/>
         <c:lblAlgn val="ctr"/>
@@ -967,7 +967,7 @@
         <c:noMultiLvlLbl val="0"/>
       </c:catAx>
       <c:valAx>
-        <c:axId val="602777080"/>
+        <c:axId val="593870840"/>
         <c:scaling>
           <c:orientation val="minMax"/>
         </c:scaling>
@@ -1015,7 +1015,7 @@
             <a:endParaRPr lang="en-US"/>
           </a:p>
         </c:txPr>
-        <c:crossAx val="602775904"/>
+        <c:crossAx val="593871624"/>
         <c:crosses val="autoZero"/>
         <c:crossBetween val="between"/>
       </c:valAx>
@@ -1138,22 +1138,22 @@
                   <c:v>127</c:v>
                 </c:pt>
                 <c:pt idx="1">
-                  <c:v>210</c:v>
+                  <c:v>196</c:v>
                 </c:pt>
                 <c:pt idx="2">
-                  <c:v>360</c:v>
+                  <c:v>345</c:v>
                 </c:pt>
                 <c:pt idx="3">
-                  <c:v>573</c:v>
+                  <c:v>503</c:v>
                 </c:pt>
                 <c:pt idx="4">
-                  <c:v>1331</c:v>
+                  <c:v>999</c:v>
                 </c:pt>
                 <c:pt idx="5">
-                  <c:v>1945</c:v>
+                  <c:v>1350</c:v>
                 </c:pt>
                 <c:pt idx="6">
-                  <c:v>2281</c:v>
+                  <c:v>1591</c:v>
                 </c:pt>
               </c:numCache>
             </c:numRef>
@@ -1168,11 +1168,11 @@
           <c:showBubbleSize val="0"/>
         </c:dLbls>
         <c:gapWidth val="182"/>
-        <c:axId val="606176136"/>
-        <c:axId val="606180056"/>
+        <c:axId val="593873976"/>
+        <c:axId val="593869272"/>
       </c:barChart>
       <c:catAx>
-        <c:axId val="606176136"/>
+        <c:axId val="593873976"/>
         <c:scaling>
           <c:orientation val="minMax"/>
         </c:scaling>
@@ -1215,7 +1215,7 @@
             <a:endParaRPr lang="en-US"/>
           </a:p>
         </c:txPr>
-        <c:crossAx val="606180056"/>
+        <c:crossAx val="593869272"/>
         <c:crosses val="autoZero"/>
         <c:auto val="1"/>
         <c:lblAlgn val="ctr"/>
@@ -1223,7 +1223,7 @@
         <c:noMultiLvlLbl val="0"/>
       </c:catAx>
       <c:valAx>
-        <c:axId val="606180056"/>
+        <c:axId val="593869272"/>
         <c:scaling>
           <c:orientation val="minMax"/>
         </c:scaling>
@@ -1274,7 +1274,7 @@
             <a:endParaRPr lang="en-US"/>
           </a:p>
         </c:txPr>
-        <c:crossAx val="606176136"/>
+        <c:crossAx val="593873976"/>
         <c:crosses val="autoZero"/>
         <c:crossBetween val="between"/>
       </c:valAx>
@@ -2486,7 +2486,7 @@
             <a:fld id="{DD95B663-A359-4E54-8989-6E815F050B49}" type="datetimeFigureOut">
               <a:rPr lang="de-DE" smtClean="0"/>
               <a:pPr/>
-              <a:t>04.01.2017</a:t>
+              <a:t>05.01.2017</a:t>
             </a:fld>
             <a:endParaRPr lang="de-DE" dirty="0"/>
           </a:p>
@@ -2653,7 +2653,7 @@
             <a:fld id="{6DC243D8-2C9D-447E-8AC2-008C661E1A6F}" type="datetimeFigureOut">
               <a:rPr lang="de-DE" smtClean="0"/>
               <a:pPr/>
-              <a:t>04.01.2017</a:t>
+              <a:t>05.01.2017</a:t>
             </a:fld>
             <a:endParaRPr lang="de-DE" dirty="0"/>
           </a:p>
@@ -3259,7 +3259,7 @@
           <a:noFill/>
           <a:extLst>
             <a:ext uri="{909E8E84-426E-40dd-AFC4-6F175D3DCCD1}">
-              <a14:hiddenFill xmlns:a14="http://schemas.microsoft.com/office/drawing/2010/main" xmlns="">
+              <a14:hiddenFill xmlns="" xmlns:a14="http://schemas.microsoft.com/office/drawing/2010/main">
                 <a:solidFill>
                   <a:srgbClr val="FFFFFF"/>
                 </a:solidFill>
@@ -3300,7 +3300,7 @@
           <a:noFill/>
           <a:extLst>
             <a:ext uri="{909E8E84-426E-40dd-AFC4-6F175D3DCCD1}">
-              <a14:hiddenFill xmlns:a14="http://schemas.microsoft.com/office/drawing/2010/main" xmlns="">
+              <a14:hiddenFill xmlns="" xmlns:a14="http://schemas.microsoft.com/office/drawing/2010/main">
                 <a:solidFill>
                   <a:srgbClr val="FFFFFF"/>
                 </a:solidFill>
@@ -4305,14 +4305,14 @@
           </a:ln>
           <a:extLst>
             <a:ext uri="{909E8E84-426E-40dd-AFC4-6F175D3DCCD1}">
-              <a14:hiddenFill xmlns:a14="http://schemas.microsoft.com/office/drawing/2010/main" xmlns="">
+              <a14:hiddenFill xmlns="" xmlns:a14="http://schemas.microsoft.com/office/drawing/2010/main">
                 <a:solidFill>
                   <a:schemeClr val="accent1"/>
                 </a:solidFill>
               </a14:hiddenFill>
             </a:ext>
             <a:ext uri="{91240B29-F687-4f45-9708-019B960494DF}">
-              <a14:hiddenLine xmlns:a14="http://schemas.microsoft.com/office/drawing/2010/main" xmlns="" w="9525">
+              <a14:hiddenLine xmlns="" xmlns:a14="http://schemas.microsoft.com/office/drawing/2010/main" w="9525">
                 <a:solidFill>
                   <a:schemeClr val="tx1"/>
                 </a:solidFill>
@@ -6875,7 +6875,7 @@
           <a:graphicData uri="http://schemas.openxmlformats.org/presentationml/2006/ole">
             <mc:AlternateContent xmlns:mc="http://schemas.openxmlformats.org/markup-compatibility/2006">
               <mc:Choice xmlns:v="urn:schemas-microsoft-com:vml" Requires="v">
-                <p:oleObj spid="_x0000_s1123" name="think-cell Folie" r:id="rId18" imgW="344" imgH="341" progId="TCLayout.ActiveDocument.1">
+                <p:oleObj spid="_x0000_s1126" name="think-cell Folie" r:id="rId18" imgW="344" imgH="341" progId="TCLayout.ActiveDocument.1">
                   <p:embed/>
                 </p:oleObj>
               </mc:Choice>
@@ -6992,12 +6992,6 @@
               </a:rPr>
               <a:t>Final Presentation AML-R</a:t>
             </a:r>
-            <a:endParaRPr lang="en-US" sz="1100" b="0" cap="none" baseline="0" noProof="0" dirty="0" smtClean="0">
-              <a:solidFill>
-                <a:schemeClr val="bg1"/>
-              </a:solidFill>
-              <a:latin typeface="Trebuchet MS" pitchFamily="34" charset="0"/>
-            </a:endParaRPr>
           </a:p>
           <a:p>
             <a:pPr>
@@ -7012,16 +7006,7 @@
                 </a:solidFill>
                 <a:latin typeface="Trebuchet MS" pitchFamily="34" charset="0"/>
               </a:rPr>
-              <a:t>Marcus </a:t>
-            </a:r>
-            <a:r>
-              <a:rPr lang="de-DE" sz="1100" b="0" cap="none" baseline="0" noProof="0" dirty="0" smtClean="0">
-                <a:solidFill>
-                  <a:schemeClr val="bg1"/>
-                </a:solidFill>
-                <a:latin typeface="Trebuchet MS" pitchFamily="34" charset="0"/>
-              </a:rPr>
-              <a:t>Cramer, Markus </a:t>
+              <a:t>Marcus Cramer, Markus </a:t>
             </a:r>
             <a:r>
               <a:rPr lang="de-DE" sz="1100" b="0" cap="none" baseline="0" noProof="0" dirty="0" err="1" smtClean="0">
@@ -7108,12 +7093,6 @@
               </a:rPr>
               <a:t>2017-01-17</a:t>
             </a:r>
-            <a:endParaRPr lang="de-DE" sz="1100" b="0" cap="none" baseline="0" dirty="0" smtClean="0">
-              <a:solidFill>
-                <a:schemeClr val="bg1"/>
-              </a:solidFill>
-              <a:latin typeface="Trebuchet MS" pitchFamily="34" charset="0"/>
-            </a:endParaRPr>
           </a:p>
         </p:txBody>
       </p:sp>
@@ -7149,7 +7128,7 @@
           <a:noFill/>
           <a:extLst>
             <a:ext uri="{909E8E84-426E-40dd-AFC4-6F175D3DCCD1}">
-              <a14:hiddenFill xmlns:a14="http://schemas.microsoft.com/office/drawing/2010/main" xmlns="">
+              <a14:hiddenFill xmlns="" xmlns:a14="http://schemas.microsoft.com/office/drawing/2010/main">
                 <a:solidFill>
                   <a:srgbClr val="FFFFFF"/>
                 </a:solidFill>
@@ -10839,7 +10818,7 @@
           <a:bodyPr/>
           <a:lstStyle/>
           <a:p>
-            <a:endParaRPr lang="en-US"/>
+            <a:endParaRPr lang="en-US" dirty="0"/>
           </a:p>
         </p:txBody>
       </p:sp>
@@ -14299,7 +14278,11 @@
           <a:p>
             <a:r>
               <a:rPr lang="en-US" dirty="0" smtClean="0"/>
-              <a:t>Publications on big data</a:t>
+              <a:t>Publications on big </a:t>
+            </a:r>
+            <a:r>
+              <a:rPr lang="en-US" dirty="0" smtClean="0"/>
+              <a:t>data in the last five years</a:t>
             </a:r>
             <a:endParaRPr lang="en-US" dirty="0"/>
           </a:p>
@@ -14654,7 +14637,7 @@
             <p:ph sz="quarter" idx="13"/>
             <p:extLst>
               <p:ext uri="{D42A27DB-BD31-4B8C-83A1-F6EECF244321}">
-                <p14:modId xmlns:p14="http://schemas.microsoft.com/office/powerpoint/2010/main" val="538559155"/>
+                <p14:modId xmlns:p14="http://schemas.microsoft.com/office/powerpoint/2010/main" val="3296011936"/>
               </p:ext>
             </p:extLst>
           </p:nvPr>
@@ -14669,6 +14652,54 @@
           </a:graphicData>
         </a:graphic>
       </p:graphicFrame>
+      <p:sp>
+        <p:nvSpPr>
+          <p:cNvPr id="10" name="Content Placeholder 4"/>
+          <p:cNvSpPr>
+            <a:spLocks noGrp="1"/>
+          </p:cNvSpPr>
+          <p:nvPr>
+            <p:ph sz="quarter" idx="17"/>
+          </p:nvPr>
+        </p:nvSpPr>
+        <p:spPr>
+          <a:xfrm>
+            <a:off x="377825" y="5831815"/>
+            <a:ext cx="8353600" cy="264185"/>
+          </a:xfrm>
+        </p:spPr>
+        <p:txBody>
+          <a:bodyPr/>
+          <a:lstStyle/>
+          <a:p>
+            <a:r>
+              <a:rPr lang="de-DE" dirty="0" smtClean="0"/>
+              <a:t>Source: </a:t>
+            </a:r>
+            <a:r>
+              <a:rPr lang="de-DE" dirty="0" err="1" smtClean="0"/>
+              <a:t>Scopus</a:t>
+            </a:r>
+            <a:r>
+              <a:rPr lang="de-DE" dirty="0" smtClean="0"/>
+              <a:t> </a:t>
+            </a:r>
+            <a:r>
+              <a:rPr lang="de-DE" dirty="0" err="1" smtClean="0"/>
+              <a:t>keyword</a:t>
+            </a:r>
+            <a:r>
+              <a:rPr lang="de-DE" dirty="0" smtClean="0"/>
+              <a:t> </a:t>
+            </a:r>
+            <a:r>
+              <a:rPr lang="de-DE" dirty="0" err="1" smtClean="0"/>
+              <a:t>search</a:t>
+            </a:r>
+            <a:endParaRPr lang="en-US" dirty="0"/>
+          </a:p>
+        </p:txBody>
+      </p:sp>
     </p:spTree>
     <p:extLst>
       <p:ext uri="{BB962C8B-B14F-4D97-AF65-F5344CB8AC3E}">
